--- a/Final_report_presentation.pptx
+++ b/Final_report_presentation.pptx
@@ -5,7 +5,7 @@
     <p:sldMasterId id="2147483659" r:id="rId1"/>
   </p:sldMasterIdLst>
   <p:notesMasterIdLst>
-    <p:notesMasterId r:id="rId16"/>
+    <p:notesMasterId r:id="rId19"/>
   </p:notesMasterIdLst>
   <p:sldIdLst>
     <p:sldId id="256" r:id="rId2"/>
@@ -13,15 +13,18 @@
     <p:sldId id="258" r:id="rId4"/>
     <p:sldId id="259" r:id="rId5"/>
     <p:sldId id="260" r:id="rId6"/>
-    <p:sldId id="261" r:id="rId7"/>
-    <p:sldId id="262" r:id="rId8"/>
-    <p:sldId id="263" r:id="rId9"/>
-    <p:sldId id="264" r:id="rId10"/>
-    <p:sldId id="265" r:id="rId11"/>
-    <p:sldId id="266" r:id="rId12"/>
-    <p:sldId id="267" r:id="rId13"/>
-    <p:sldId id="268" r:id="rId14"/>
-    <p:sldId id="269" r:id="rId15"/>
+    <p:sldId id="270" r:id="rId7"/>
+    <p:sldId id="261" r:id="rId8"/>
+    <p:sldId id="262" r:id="rId9"/>
+    <p:sldId id="263" r:id="rId10"/>
+    <p:sldId id="279" r:id="rId11"/>
+    <p:sldId id="273" r:id="rId12"/>
+    <p:sldId id="276" r:id="rId13"/>
+    <p:sldId id="265" r:id="rId14"/>
+    <p:sldId id="266" r:id="rId15"/>
+    <p:sldId id="267" r:id="rId16"/>
+    <p:sldId id="268" r:id="rId17"/>
+    <p:sldId id="269" r:id="rId18"/>
   </p:sldIdLst>
   <p:sldSz cx="9144000" cy="5143500" type="screen16x9"/>
   <p:notesSz cx="6858000" cy="9144000"/>
@@ -823,110 +826,6 @@
   <p:cSld>
     <p:spTree>
       <p:nvGrpSpPr>
-        <p:cNvPr id="1" name="Shape 118"/>
-        <p:cNvGrpSpPr/>
-        <p:nvPr/>
-      </p:nvGrpSpPr>
-      <p:grpSpPr>
-        <a:xfrm>
-          <a:off x="0" y="0"/>
-          <a:ext cx="0" cy="0"/>
-          <a:chOff x="0" y="0"/>
-          <a:chExt cx="0" cy="0"/>
-        </a:xfrm>
-      </p:grpSpPr>
-      <p:sp>
-        <p:nvSpPr>
-          <p:cNvPr id="119" name="Google Shape;119;g10984f2afe8_0_25:notes"/>
-          <p:cNvSpPr>
-            <a:spLocks noGrp="1" noRot="1" noChangeAspect="1"/>
-          </p:cNvSpPr>
-          <p:nvPr>
-            <p:ph type="sldImg" idx="2"/>
-          </p:nvPr>
-        </p:nvSpPr>
-        <p:spPr>
-          <a:xfrm>
-            <a:off x="381300" y="685800"/>
-            <a:ext cx="6096000" cy="3429000"/>
-          </a:xfrm>
-          <a:custGeom>
-            <a:avLst/>
-            <a:gdLst/>
-            <a:ahLst/>
-            <a:cxnLst/>
-            <a:rect l="l" t="t" r="r" b="b"/>
-            <a:pathLst>
-              <a:path w="120000" h="120000" extrusionOk="0">
-                <a:moveTo>
-                  <a:pt x="0" y="0"/>
-                </a:moveTo>
-                <a:lnTo>
-                  <a:pt x="120000" y="0"/>
-                </a:lnTo>
-                <a:lnTo>
-                  <a:pt x="120000" y="120000"/>
-                </a:lnTo>
-                <a:lnTo>
-                  <a:pt x="0" y="120000"/>
-                </a:lnTo>
-                <a:close/>
-              </a:path>
-            </a:pathLst>
-          </a:custGeom>
-        </p:spPr>
-      </p:sp>
-      <p:sp>
-        <p:nvSpPr>
-          <p:cNvPr id="120" name="Google Shape;120;g10984f2afe8_0_25:notes"/>
-          <p:cNvSpPr txBox="1">
-            <a:spLocks noGrp="1"/>
-          </p:cNvSpPr>
-          <p:nvPr>
-            <p:ph type="body" idx="1"/>
-          </p:nvPr>
-        </p:nvSpPr>
-        <p:spPr>
-          <a:xfrm>
-            <a:off x="685800" y="4343400"/>
-            <a:ext cx="5486400" cy="4114800"/>
-          </a:xfrm>
-          <a:prstGeom prst="rect">
-            <a:avLst/>
-          </a:prstGeom>
-        </p:spPr>
-        <p:txBody>
-          <a:bodyPr spcFirstLastPara="1" wrap="square" lIns="91425" tIns="91425" rIns="91425" bIns="91425" anchor="t" anchorCtr="0">
-            <a:noAutofit/>
-          </a:bodyPr>
-          <a:lstStyle/>
-          <a:p>
-            <a:pPr marL="0" lvl="0" indent="0" algn="l" rtl="0">
-              <a:spcBef>
-                <a:spcPts val="0"/>
-              </a:spcBef>
-              <a:spcAft>
-                <a:spcPts val="0"/>
-              </a:spcAft>
-              <a:buNone/>
-            </a:pPr>
-            <a:endParaRPr/>
-          </a:p>
-        </p:txBody>
-      </p:sp>
-    </p:spTree>
-  </p:cSld>
-  <p:clrMapOvr>
-    <a:masterClrMapping/>
-  </p:clrMapOvr>
-</p:notes>
-</file>
-
-<file path=ppt/notesSlides/notesSlide11.xml><?xml version="1.0" encoding="utf-8"?>
-<p:notes xmlns:a="http://schemas.openxmlformats.org/drawingml/2006/main" xmlns:r="http://schemas.openxmlformats.org/officeDocument/2006/relationships" xmlns:p="http://schemas.openxmlformats.org/presentationml/2006/main" showMasterSp="0" showMasterPhAnim="0">
-  <p:cSld>
-    <p:spTree>
-      <p:nvGrpSpPr>
         <p:cNvPr id="1" name="Shape 127"/>
         <p:cNvGrpSpPr/>
         <p:nvPr/>
@@ -1026,7 +925,7 @@
 </p:notes>
 </file>
 
-<file path=ppt/notesSlides/notesSlide12.xml><?xml version="1.0" encoding="utf-8"?>
+<file path=ppt/notesSlides/notesSlide11.xml><?xml version="1.0" encoding="utf-8"?>
 <p:notes xmlns:a="http://schemas.openxmlformats.org/drawingml/2006/main" xmlns:r="http://schemas.openxmlformats.org/officeDocument/2006/relationships" xmlns:p="http://schemas.openxmlformats.org/presentationml/2006/main" showMasterSp="0" showMasterPhAnim="0">
   <p:cSld>
     <p:spTree>
@@ -1130,7 +1029,7 @@
 </p:notes>
 </file>
 
-<file path=ppt/notesSlides/notesSlide13.xml><?xml version="1.0" encoding="utf-8"?>
+<file path=ppt/notesSlides/notesSlide12.xml><?xml version="1.0" encoding="utf-8"?>
 <p:notes xmlns:a="http://schemas.openxmlformats.org/drawingml/2006/main" xmlns:r="http://schemas.openxmlformats.org/officeDocument/2006/relationships" xmlns:p="http://schemas.openxmlformats.org/presentationml/2006/main" showMasterSp="0" showMasterPhAnim="0">
   <p:cSld>
     <p:spTree>
@@ -1263,7 +1162,7 @@
         </p:nvSpPr>
         <p:spPr>
           <a:xfrm>
-            <a:off x="381300" y="685800"/>
+            <a:off x="381000" y="685800"/>
             <a:ext cx="6096000" cy="3429000"/>
           </a:xfrm>
           <a:custGeom>
@@ -1367,7 +1266,7 @@
         </p:nvSpPr>
         <p:spPr>
           <a:xfrm>
-            <a:off x="381300" y="685800"/>
+            <a:off x="381000" y="685800"/>
             <a:ext cx="6096000" cy="3429000"/>
           </a:xfrm>
           <a:custGeom>
@@ -1575,7 +1474,7 @@
         </p:nvSpPr>
         <p:spPr>
           <a:xfrm>
-            <a:off x="381300" y="685800"/>
+            <a:off x="381000" y="685800"/>
             <a:ext cx="6096000" cy="3429000"/>
           </a:xfrm>
           <a:custGeom>
@@ -1679,7 +1578,7 @@
         </p:nvSpPr>
         <p:spPr>
           <a:xfrm>
-            <a:off x="381300" y="685800"/>
+            <a:off x="381000" y="685800"/>
             <a:ext cx="6096000" cy="3429000"/>
           </a:xfrm>
           <a:custGeom>
@@ -1967,7 +1866,7 @@
   <p:cSld>
     <p:spTree>
       <p:nvGrpSpPr>
-        <p:cNvPr id="1" name="Shape 112"/>
+        <p:cNvPr id="1" name="Shape 118"/>
         <p:cNvGrpSpPr/>
         <p:nvPr/>
       </p:nvGrpSpPr>
@@ -1981,7 +1880,7 @@
       </p:grpSpPr>
       <p:sp>
         <p:nvSpPr>
-          <p:cNvPr id="113" name="Google Shape;113;g10984f2afe8_0_112:notes"/>
+          <p:cNvPr id="119" name="Google Shape;119;g10984f2afe8_0_25:notes"/>
           <p:cNvSpPr>
             <a:spLocks noGrp="1" noRot="1" noChangeAspect="1"/>
           </p:cNvSpPr>
@@ -1991,7 +1890,7 @@
         </p:nvSpPr>
         <p:spPr>
           <a:xfrm>
-            <a:off x="381000" y="685800"/>
+            <a:off x="381300" y="685800"/>
             <a:ext cx="6096000" cy="3429000"/>
           </a:xfrm>
           <a:custGeom>
@@ -2022,7 +1921,7 @@
       </p:sp>
       <p:sp>
         <p:nvSpPr>
-          <p:cNvPr id="114" name="Google Shape;114;g10984f2afe8_0_112:notes"/>
+          <p:cNvPr id="120" name="Google Shape;120;g10984f2afe8_0_25:notes"/>
           <p:cNvSpPr txBox="1">
             <a:spLocks noGrp="1"/>
           </p:cNvSpPr>
@@ -2916,6 +2815,204 @@
         </p:txBody>
       </p:sp>
     </p:spTree>
+  </p:cSld>
+  <p:clrMapOvr>
+    <a:masterClrMapping/>
+  </p:clrMapOvr>
+</p:sldLayout>
+</file>
+
+<file path=ppt/slideLayouts/slideLayout12.xml><?xml version="1.0" encoding="utf-8"?>
+<p:sldLayout xmlns:a="http://schemas.openxmlformats.org/drawingml/2006/main" xmlns:r="http://schemas.openxmlformats.org/officeDocument/2006/relationships" xmlns:p="http://schemas.openxmlformats.org/presentationml/2006/main" type="obj">
+  <p:cSld name="Title and Content">
+    <p:spTree>
+      <p:nvGrpSpPr>
+        <p:cNvPr id="1" name=""/>
+        <p:cNvGrpSpPr/>
+        <p:nvPr/>
+      </p:nvGrpSpPr>
+      <p:grpSpPr>
+        <a:xfrm>
+          <a:off x="0" y="0"/>
+          <a:ext cx="0" cy="0"/>
+          <a:chOff x="0" y="0"/>
+          <a:chExt cx="0" cy="0"/>
+        </a:xfrm>
+      </p:grpSpPr>
+      <p:sp>
+        <p:nvSpPr>
+          <p:cNvPr id="2" name="Title 1">
+            <a:extLst>
+              <a:ext uri="{FF2B5EF4-FFF2-40B4-BE49-F238E27FC236}">
+                <a16:creationId xmlns:a16="http://schemas.microsoft.com/office/drawing/2014/main" id="{17F5D8CE-B2A7-4B49-925D-C3F58CBCE0A2}"/>
+              </a:ext>
+            </a:extLst>
+          </p:cNvPr>
+          <p:cNvSpPr>
+            <a:spLocks noGrp="1"/>
+          </p:cNvSpPr>
+          <p:nvPr>
+            <p:ph type="title"/>
+          </p:nvPr>
+        </p:nvSpPr>
+        <p:spPr/>
+        <p:txBody>
+          <a:bodyPr/>
+          <a:lstStyle/>
+          <a:p>
+            <a:r>
+              <a:rPr lang="en-US"/>
+              <a:t>Click to edit Master title style</a:t>
+            </a:r>
+          </a:p>
+        </p:txBody>
+      </p:sp>
+      <p:sp>
+        <p:nvSpPr>
+          <p:cNvPr id="3" name="Content Placeholder 2">
+            <a:extLst>
+              <a:ext uri="{FF2B5EF4-FFF2-40B4-BE49-F238E27FC236}">
+                <a16:creationId xmlns:a16="http://schemas.microsoft.com/office/drawing/2014/main" id="{0F3DC82A-3892-4F1D-B6F9-D02D3A0A5582}"/>
+              </a:ext>
+            </a:extLst>
+          </p:cNvPr>
+          <p:cNvSpPr>
+            <a:spLocks noGrp="1"/>
+          </p:cNvSpPr>
+          <p:nvPr>
+            <p:ph idx="1"/>
+          </p:nvPr>
+        </p:nvSpPr>
+        <p:spPr/>
+        <p:txBody>
+          <a:bodyPr/>
+          <a:lstStyle/>
+          <a:p>
+            <a:pPr lvl="0"/>
+            <a:r>
+              <a:rPr lang="en-US"/>
+              <a:t>Click to edit Master text styles</a:t>
+            </a:r>
+          </a:p>
+          <a:p>
+            <a:pPr lvl="1"/>
+            <a:r>
+              <a:rPr lang="en-US"/>
+              <a:t>Second level</a:t>
+            </a:r>
+          </a:p>
+          <a:p>
+            <a:pPr lvl="2"/>
+            <a:r>
+              <a:rPr lang="en-US"/>
+              <a:t>Third level</a:t>
+            </a:r>
+          </a:p>
+          <a:p>
+            <a:pPr lvl="3"/>
+            <a:r>
+              <a:rPr lang="en-US"/>
+              <a:t>Fourth level</a:t>
+            </a:r>
+          </a:p>
+          <a:p>
+            <a:pPr lvl="4"/>
+            <a:r>
+              <a:rPr lang="en-US"/>
+              <a:t>Fifth level</a:t>
+            </a:r>
+          </a:p>
+        </p:txBody>
+      </p:sp>
+      <p:sp>
+        <p:nvSpPr>
+          <p:cNvPr id="4" name="Date Placeholder 3">
+            <a:extLst>
+              <a:ext uri="{FF2B5EF4-FFF2-40B4-BE49-F238E27FC236}">
+                <a16:creationId xmlns:a16="http://schemas.microsoft.com/office/drawing/2014/main" id="{62301317-77F6-40B8-AC53-8DB1F28EE993}"/>
+              </a:ext>
+            </a:extLst>
+          </p:cNvPr>
+          <p:cNvSpPr>
+            <a:spLocks noGrp="1"/>
+          </p:cNvSpPr>
+          <p:nvPr>
+            <p:ph type="dt" sz="half" idx="10"/>
+          </p:nvPr>
+        </p:nvSpPr>
+        <p:spPr/>
+        <p:txBody>
+          <a:bodyPr/>
+          <a:lstStyle/>
+          <a:p>
+            <a:fld id="{C4BDD6C2-C566-447B-B578-08A7B324FC2E}" type="datetimeFigureOut">
+              <a:rPr lang="en-US" smtClean="0"/>
+              <a:t>1/1/2022</a:t>
+            </a:fld>
+            <a:endParaRPr lang="en-US"/>
+          </a:p>
+        </p:txBody>
+      </p:sp>
+      <p:sp>
+        <p:nvSpPr>
+          <p:cNvPr id="5" name="Footer Placeholder 4">
+            <a:extLst>
+              <a:ext uri="{FF2B5EF4-FFF2-40B4-BE49-F238E27FC236}">
+                <a16:creationId xmlns:a16="http://schemas.microsoft.com/office/drawing/2014/main" id="{43D16576-5A3A-4BBF-9E5E-E0753F329460}"/>
+              </a:ext>
+            </a:extLst>
+          </p:cNvPr>
+          <p:cNvSpPr>
+            <a:spLocks noGrp="1"/>
+          </p:cNvSpPr>
+          <p:nvPr>
+            <p:ph type="ftr" sz="quarter" idx="11"/>
+          </p:nvPr>
+        </p:nvSpPr>
+        <p:spPr/>
+        <p:txBody>
+          <a:bodyPr/>
+          <a:lstStyle/>
+          <a:p>
+            <a:endParaRPr lang="en-US"/>
+          </a:p>
+        </p:txBody>
+      </p:sp>
+      <p:sp>
+        <p:nvSpPr>
+          <p:cNvPr id="6" name="Slide Number Placeholder 5">
+            <a:extLst>
+              <a:ext uri="{FF2B5EF4-FFF2-40B4-BE49-F238E27FC236}">
+                <a16:creationId xmlns:a16="http://schemas.microsoft.com/office/drawing/2014/main" id="{F8197745-A5F6-4835-ADC3-CAE494C7EF5E}"/>
+              </a:ext>
+            </a:extLst>
+          </p:cNvPr>
+          <p:cNvSpPr>
+            <a:spLocks noGrp="1"/>
+          </p:cNvSpPr>
+          <p:nvPr>
+            <p:ph type="sldNum" sz="quarter" idx="12"/>
+          </p:nvPr>
+        </p:nvSpPr>
+        <p:spPr/>
+        <p:txBody>
+          <a:bodyPr/>
+          <a:lstStyle/>
+          <a:p>
+            <a:fld id="{2F87E710-13A4-4EBA-BF65-FF1889031EAB}" type="slidenum">
+              <a:rPr lang="en-US" smtClean="0"/>
+              <a:t>‹#›</a:t>
+            </a:fld>
+            <a:endParaRPr lang="en-US"/>
+          </a:p>
+        </p:txBody>
+      </p:sp>
+    </p:spTree>
+    <p:extLst>
+      <p:ext uri="{BB962C8B-B14F-4D97-AF65-F5344CB8AC3E}">
+        <p14:creationId xmlns:p14="http://schemas.microsoft.com/office/powerpoint/2010/main" val="366821424"/>
+      </p:ext>
+    </p:extLst>
   </p:cSld>
   <p:clrMapOvr>
     <a:masterClrMapping/>
@@ -6121,6 +6218,7 @@
     <p:sldLayoutId id="2147483656" r:id="rId9"/>
     <p:sldLayoutId id="2147483657" r:id="rId10"/>
     <p:sldLayoutId id="2147483658" r:id="rId11"/>
+    <p:sldLayoutId id="2147483660" r:id="rId12"/>
   </p:sldLayoutIdLst>
   <p:hf sldNum="0" hdr="0" ftr="0" dt="0"/>
   <p:txStyles>
@@ -6867,10 +6965,10 @@
               <a:buNone/>
             </a:pPr>
             <a:r>
-              <a:rPr lang="en-GB"/>
+              <a:rPr lang="en-GB" dirty="0"/>
               <a:t>Protein families classification using Machine/Deep Learning</a:t>
             </a:r>
-            <a:endParaRPr/>
+            <a:endParaRPr dirty="0"/>
           </a:p>
         </p:txBody>
       </p:sp>
@@ -6886,7 +6984,7 @@
         </p:nvSpPr>
         <p:spPr>
           <a:xfrm>
-            <a:off x="311700" y="2834125"/>
+            <a:off x="311708" y="3015100"/>
             <a:ext cx="8520600" cy="792600"/>
           </a:xfrm>
           <a:prstGeom prst="rect">
@@ -6895,7 +6993,7 @@
         </p:spPr>
         <p:txBody>
           <a:bodyPr spcFirstLastPara="1" wrap="square" lIns="91425" tIns="91425" rIns="91425" bIns="91425" anchor="t" anchorCtr="0">
-            <a:normAutofit/>
+            <a:normAutofit fontScale="85000" lnSpcReduction="20000"/>
           </a:bodyPr>
           <a:lstStyle/>
           <a:p>
@@ -6909,10 +7007,25 @@
               <a:buNone/>
             </a:pPr>
             <a:r>
-              <a:rPr lang="en-GB"/>
+              <a:rPr lang="en-GB" dirty="0"/>
               <a:t>Abishek Adhikari</a:t>
             </a:r>
-            <a:endParaRPr/>
+          </a:p>
+          <a:p>
+            <a:pPr marL="0" lvl="0" indent="0" algn="ctr" rtl="0">
+              <a:spcBef>
+                <a:spcPts val="0"/>
+              </a:spcBef>
+              <a:spcAft>
+                <a:spcPts val="0"/>
+              </a:spcAft>
+              <a:buNone/>
+            </a:pPr>
+            <a:r>
+              <a:rPr lang="en-GB" dirty="0"/>
+              <a:t>Springboard 2021</a:t>
+            </a:r>
+            <a:endParaRPr dirty="0"/>
           </a:p>
           <a:p>
             <a:pPr marL="0" lvl="0" indent="0" algn="l" rtl="0">
@@ -6924,7 +7037,7 @@
               </a:spcAft>
               <a:buNone/>
             </a:pPr>
-            <a:endParaRPr/>
+            <a:endParaRPr dirty="0"/>
           </a:p>
         </p:txBody>
       </p:sp>
@@ -6937,6 +7050,1188 @@
 </file>
 
 <file path=ppt/slides/slide10.xml><?xml version="1.0" encoding="utf-8"?>
+<p:sld xmlns:a="http://schemas.openxmlformats.org/drawingml/2006/main" xmlns:r="http://schemas.openxmlformats.org/officeDocument/2006/relationships" xmlns:p="http://schemas.openxmlformats.org/presentationml/2006/main">
+  <p:cSld>
+    <p:spTree>
+      <p:nvGrpSpPr>
+        <p:cNvPr id="1" name=""/>
+        <p:cNvGrpSpPr/>
+        <p:nvPr/>
+      </p:nvGrpSpPr>
+      <p:grpSpPr>
+        <a:xfrm>
+          <a:off x="0" y="0"/>
+          <a:ext cx="0" cy="0"/>
+          <a:chOff x="0" y="0"/>
+          <a:chExt cx="0" cy="0"/>
+        </a:xfrm>
+      </p:grpSpPr>
+      <p:sp>
+        <p:nvSpPr>
+          <p:cNvPr id="4" name="Google Shape;101;p19">
+            <a:extLst>
+              <a:ext uri="{FF2B5EF4-FFF2-40B4-BE49-F238E27FC236}">
+                <a16:creationId xmlns:a16="http://schemas.microsoft.com/office/drawing/2014/main" id="{F631F6C6-496B-4CA8-97D5-A37760FBCC73}"/>
+              </a:ext>
+            </a:extLst>
+          </p:cNvPr>
+          <p:cNvSpPr txBox="1">
+            <a:spLocks noGrp="1"/>
+          </p:cNvSpPr>
+          <p:nvPr>
+            <p:ph type="title"/>
+          </p:nvPr>
+        </p:nvSpPr>
+        <p:spPr>
+          <a:xfrm>
+            <a:off x="2111375" y="0"/>
+            <a:ext cx="4737100" cy="573088"/>
+          </a:xfrm>
+          <a:prstGeom prst="rect">
+            <a:avLst/>
+          </a:prstGeom>
+        </p:spPr>
+        <p:txBody>
+          <a:bodyPr spcFirstLastPara="1" wrap="square" lIns="91425" tIns="91425" rIns="91425" bIns="91425" anchor="t" anchorCtr="0">
+            <a:normAutofit fontScale="90000"/>
+          </a:bodyPr>
+          <a:lstStyle/>
+          <a:p>
+            <a:pPr marL="0" lvl="0" indent="0" algn="l" rtl="0">
+              <a:spcBef>
+                <a:spcPts val="0"/>
+              </a:spcBef>
+              <a:spcAft>
+                <a:spcPts val="0"/>
+              </a:spcAft>
+              <a:buNone/>
+            </a:pPr>
+            <a:r>
+              <a:rPr lang="en-GB" dirty="0"/>
+              <a:t>Part II: Deep Learning Models</a:t>
+            </a:r>
+            <a:endParaRPr dirty="0"/>
+          </a:p>
+        </p:txBody>
+      </p:sp>
+      <p:pic>
+        <p:nvPicPr>
+          <p:cNvPr id="5" name="Google Shape;79;p16">
+            <a:extLst>
+              <a:ext uri="{FF2B5EF4-FFF2-40B4-BE49-F238E27FC236}">
+                <a16:creationId xmlns:a16="http://schemas.microsoft.com/office/drawing/2014/main" id="{9A34F350-0AFA-4655-A5D8-D7391EC3259E}"/>
+              </a:ext>
+            </a:extLst>
+          </p:cNvPr>
+          <p:cNvPicPr preferRelativeResize="0"/>
+          <p:nvPr/>
+        </p:nvPicPr>
+        <p:blipFill>
+          <a:blip r:embed="rId2">
+            <a:alphaModFix/>
+          </a:blip>
+          <a:stretch>
+            <a:fillRect/>
+          </a:stretch>
+        </p:blipFill>
+        <p:spPr>
+          <a:xfrm>
+            <a:off x="171412" y="915988"/>
+            <a:ext cx="1726300" cy="3065864"/>
+          </a:xfrm>
+          <a:prstGeom prst="rect">
+            <a:avLst/>
+          </a:prstGeom>
+          <a:noFill/>
+          <a:ln>
+            <a:noFill/>
+          </a:ln>
+        </p:spPr>
+      </p:pic>
+      <p:sp>
+        <p:nvSpPr>
+          <p:cNvPr id="6" name="Google Shape;80;p16">
+            <a:extLst>
+              <a:ext uri="{FF2B5EF4-FFF2-40B4-BE49-F238E27FC236}">
+                <a16:creationId xmlns:a16="http://schemas.microsoft.com/office/drawing/2014/main" id="{CC5B47E9-8663-4F8C-B1B1-1A6AD2C1AFB4}"/>
+              </a:ext>
+            </a:extLst>
+          </p:cNvPr>
+          <p:cNvSpPr txBox="1"/>
+          <p:nvPr/>
+        </p:nvSpPr>
+        <p:spPr>
+          <a:xfrm>
+            <a:off x="0" y="334288"/>
+            <a:ext cx="2031000" cy="581700"/>
+          </a:xfrm>
+          <a:prstGeom prst="rect">
+            <a:avLst/>
+          </a:prstGeom>
+          <a:noFill/>
+          <a:ln>
+            <a:noFill/>
+          </a:ln>
+        </p:spPr>
+        <p:txBody>
+          <a:bodyPr spcFirstLastPara="1" wrap="square" lIns="91425" tIns="91425" rIns="91425" bIns="91425" anchor="t" anchorCtr="0">
+            <a:spAutoFit/>
+          </a:bodyPr>
+          <a:lstStyle/>
+          <a:p>
+            <a:pPr marL="0" lvl="0" indent="0" algn="l" rtl="0">
+              <a:lnSpc>
+                <a:spcPct val="115000"/>
+              </a:lnSpc>
+              <a:spcBef>
+                <a:spcPts val="0"/>
+              </a:spcBef>
+              <a:spcAft>
+                <a:spcPts val="1200"/>
+              </a:spcAft>
+              <a:buNone/>
+            </a:pPr>
+            <a:r>
+              <a:rPr lang="en-GB" sz="1200" dirty="0">
+                <a:solidFill>
+                  <a:schemeClr val="dk2"/>
+                </a:solidFill>
+              </a:rPr>
+              <a:t>“Hydrolase” family with 286 amino acid units</a:t>
+            </a:r>
+            <a:endParaRPr sz="1200" dirty="0"/>
+          </a:p>
+        </p:txBody>
+      </p:sp>
+      <p:pic>
+        <p:nvPicPr>
+          <p:cNvPr id="7" name="Google Shape;81;p16">
+            <a:extLst>
+              <a:ext uri="{FF2B5EF4-FFF2-40B4-BE49-F238E27FC236}">
+                <a16:creationId xmlns:a16="http://schemas.microsoft.com/office/drawing/2014/main" id="{464DF67B-DE99-44D8-B137-FA008E2E13E7}"/>
+              </a:ext>
+            </a:extLst>
+          </p:cNvPr>
+          <p:cNvPicPr preferRelativeResize="0"/>
+          <p:nvPr/>
+        </p:nvPicPr>
+        <p:blipFill>
+          <a:blip r:embed="rId3">
+            <a:alphaModFix/>
+          </a:blip>
+          <a:stretch>
+            <a:fillRect/>
+          </a:stretch>
+        </p:blipFill>
+        <p:spPr>
+          <a:xfrm>
+            <a:off x="109250" y="4086225"/>
+            <a:ext cx="3576925" cy="915037"/>
+          </a:xfrm>
+          <a:prstGeom prst="rect">
+            <a:avLst/>
+          </a:prstGeom>
+          <a:noFill/>
+          <a:ln>
+            <a:noFill/>
+          </a:ln>
+        </p:spPr>
+      </p:pic>
+      <p:sp>
+        <p:nvSpPr>
+          <p:cNvPr id="8" name="Google Shape;80;p16">
+            <a:extLst>
+              <a:ext uri="{FF2B5EF4-FFF2-40B4-BE49-F238E27FC236}">
+                <a16:creationId xmlns:a16="http://schemas.microsoft.com/office/drawing/2014/main" id="{076676AF-601B-4493-B73E-B0808768BAB7}"/>
+              </a:ext>
+            </a:extLst>
+          </p:cNvPr>
+          <p:cNvSpPr txBox="1"/>
+          <p:nvPr/>
+        </p:nvSpPr>
+        <p:spPr>
+          <a:xfrm>
+            <a:off x="3271551" y="915988"/>
+            <a:ext cx="3576924" cy="2286750"/>
+          </a:xfrm>
+          <a:prstGeom prst="rect">
+            <a:avLst/>
+          </a:prstGeom>
+          <a:noFill/>
+          <a:ln>
+            <a:noFill/>
+          </a:ln>
+        </p:spPr>
+        <p:txBody>
+          <a:bodyPr spcFirstLastPara="1" wrap="square" lIns="91425" tIns="91425" rIns="91425" bIns="91425" anchor="t" anchorCtr="0">
+            <a:spAutoFit/>
+          </a:bodyPr>
+          <a:lstStyle/>
+          <a:p>
+            <a:pPr marL="0" lvl="0" indent="0" algn="l" rtl="0">
+              <a:lnSpc>
+                <a:spcPct val="115000"/>
+              </a:lnSpc>
+              <a:spcBef>
+                <a:spcPts val="0"/>
+              </a:spcBef>
+              <a:spcAft>
+                <a:spcPts val="1200"/>
+              </a:spcAft>
+              <a:buNone/>
+            </a:pPr>
+            <a:r>
+              <a:rPr lang="en-GB" sz="1200" dirty="0">
+                <a:solidFill>
+                  <a:schemeClr val="dk2"/>
+                </a:solidFill>
+              </a:rPr>
+              <a:t>Character to numerical vectors:</a:t>
+            </a:r>
+          </a:p>
+          <a:p>
+            <a:pPr marL="0" lvl="0" indent="0" algn="l" rtl="0">
+              <a:lnSpc>
+                <a:spcPct val="115000"/>
+              </a:lnSpc>
+              <a:spcBef>
+                <a:spcPts val="0"/>
+              </a:spcBef>
+              <a:spcAft>
+                <a:spcPts val="1200"/>
+              </a:spcAft>
+              <a:buNone/>
+            </a:pPr>
+            <a:r>
+              <a:rPr lang="en-GB" sz="1200" dirty="0" err="1">
+                <a:solidFill>
+                  <a:schemeClr val="dk2"/>
+                </a:solidFill>
+              </a:rPr>
+              <a:t>Tf-idf</a:t>
+            </a:r>
+            <a:r>
+              <a:rPr lang="en-GB" sz="1200" dirty="0">
+                <a:solidFill>
+                  <a:schemeClr val="dk2"/>
+                </a:solidFill>
+              </a:rPr>
+              <a:t> is used to convert to the numerical vectors</a:t>
+            </a:r>
+          </a:p>
+          <a:p>
+            <a:pPr marL="0" lvl="0" indent="0" algn="l" rtl="0">
+              <a:lnSpc>
+                <a:spcPct val="115000"/>
+              </a:lnSpc>
+              <a:spcBef>
+                <a:spcPts val="0"/>
+              </a:spcBef>
+              <a:spcAft>
+                <a:spcPts val="1200"/>
+              </a:spcAft>
+              <a:buNone/>
+            </a:pPr>
+            <a:r>
+              <a:rPr lang="en-GB" sz="1200" dirty="0" err="1">
+                <a:solidFill>
+                  <a:schemeClr val="dk2"/>
+                </a:solidFill>
+              </a:rPr>
+              <a:t>ngram</a:t>
+            </a:r>
+            <a:r>
+              <a:rPr lang="en-GB" sz="1200" dirty="0">
+                <a:solidFill>
+                  <a:schemeClr val="dk2"/>
+                </a:solidFill>
+              </a:rPr>
+              <a:t> = 3. (it collects all the possible combinations of 3 adjacent letters from the whole datasets)</a:t>
+            </a:r>
+          </a:p>
+          <a:p>
+            <a:pPr marL="0" lvl="0" indent="0" algn="l" rtl="0">
+              <a:lnSpc>
+                <a:spcPct val="115000"/>
+              </a:lnSpc>
+              <a:spcBef>
+                <a:spcPts val="0"/>
+              </a:spcBef>
+              <a:spcAft>
+                <a:spcPts val="1200"/>
+              </a:spcAft>
+              <a:buNone/>
+            </a:pPr>
+            <a:r>
+              <a:rPr lang="en-GB" sz="1200" dirty="0" err="1">
+                <a:solidFill>
+                  <a:schemeClr val="dk2"/>
+                </a:solidFill>
+              </a:rPr>
+              <a:t>Tf-idf</a:t>
+            </a:r>
+            <a:r>
+              <a:rPr lang="en-GB" sz="1200" dirty="0">
+                <a:solidFill>
+                  <a:schemeClr val="dk2"/>
+                </a:solidFill>
+              </a:rPr>
+              <a:t> provides value between 0 to 1. Most important word has value closer to 1.</a:t>
+            </a:r>
+          </a:p>
+        </p:txBody>
+      </p:sp>
+      <p:sp>
+        <p:nvSpPr>
+          <p:cNvPr id="9" name="Google Shape;80;p16">
+            <a:extLst>
+              <a:ext uri="{FF2B5EF4-FFF2-40B4-BE49-F238E27FC236}">
+                <a16:creationId xmlns:a16="http://schemas.microsoft.com/office/drawing/2014/main" id="{E13603F8-07CE-4A6F-9F0F-17FD99A589C5}"/>
+              </a:ext>
+            </a:extLst>
+          </p:cNvPr>
+          <p:cNvSpPr txBox="1"/>
+          <p:nvPr/>
+        </p:nvSpPr>
+        <p:spPr>
+          <a:xfrm>
+            <a:off x="4044513" y="4167879"/>
+            <a:ext cx="2031000" cy="975621"/>
+          </a:xfrm>
+          <a:prstGeom prst="rect">
+            <a:avLst/>
+          </a:prstGeom>
+          <a:noFill/>
+          <a:ln>
+            <a:noFill/>
+          </a:ln>
+        </p:spPr>
+        <p:txBody>
+          <a:bodyPr spcFirstLastPara="1" wrap="square" lIns="91425" tIns="91425" rIns="91425" bIns="91425" anchor="t" anchorCtr="0">
+            <a:spAutoFit/>
+          </a:bodyPr>
+          <a:lstStyle/>
+          <a:p>
+            <a:pPr marL="0" lvl="0" indent="0" algn="l" rtl="0">
+              <a:lnSpc>
+                <a:spcPct val="115000"/>
+              </a:lnSpc>
+              <a:spcBef>
+                <a:spcPts val="0"/>
+              </a:spcBef>
+              <a:spcAft>
+                <a:spcPts val="1200"/>
+              </a:spcAft>
+              <a:buNone/>
+            </a:pPr>
+            <a:r>
+              <a:rPr lang="en-GB" sz="1200" dirty="0">
+                <a:solidFill>
+                  <a:schemeClr val="dk2"/>
+                </a:solidFill>
+              </a:rPr>
+              <a:t>Levels are converted to the numerical vectors by one hot encoding method</a:t>
+            </a:r>
+            <a:endParaRPr sz="1200" dirty="0"/>
+          </a:p>
+        </p:txBody>
+      </p:sp>
+    </p:spTree>
+    <p:extLst>
+      <p:ext uri="{BB962C8B-B14F-4D97-AF65-F5344CB8AC3E}">
+        <p14:creationId xmlns:p14="http://schemas.microsoft.com/office/powerpoint/2010/main" val="3514713213"/>
+      </p:ext>
+    </p:extLst>
+  </p:cSld>
+  <p:clrMapOvr>
+    <a:masterClrMapping/>
+  </p:clrMapOvr>
+</p:sld>
+</file>
+
+<file path=ppt/slides/slide11.xml><?xml version="1.0" encoding="utf-8"?>
+<p:sld xmlns:a="http://schemas.openxmlformats.org/drawingml/2006/main" xmlns:r="http://schemas.openxmlformats.org/officeDocument/2006/relationships" xmlns:p="http://schemas.openxmlformats.org/presentationml/2006/main">
+  <p:cSld>
+    <p:spTree>
+      <p:nvGrpSpPr>
+        <p:cNvPr id="1" name=""/>
+        <p:cNvGrpSpPr/>
+        <p:nvPr/>
+      </p:nvGrpSpPr>
+      <p:grpSpPr>
+        <a:xfrm>
+          <a:off x="0" y="0"/>
+          <a:ext cx="0" cy="0"/>
+          <a:chOff x="0" y="0"/>
+          <a:chExt cx="0" cy="0"/>
+        </a:xfrm>
+      </p:grpSpPr>
+      <p:sp>
+        <p:nvSpPr>
+          <p:cNvPr id="2" name="Title 1">
+            <a:extLst>
+              <a:ext uri="{FF2B5EF4-FFF2-40B4-BE49-F238E27FC236}">
+                <a16:creationId xmlns:a16="http://schemas.microsoft.com/office/drawing/2014/main" id="{6A7E6873-DC38-4E88-9E7D-F34E4B649870}"/>
+              </a:ext>
+            </a:extLst>
+          </p:cNvPr>
+          <p:cNvSpPr>
+            <a:spLocks noGrp="1"/>
+          </p:cNvSpPr>
+          <p:nvPr>
+            <p:ph type="title"/>
+          </p:nvPr>
+        </p:nvSpPr>
+        <p:spPr>
+          <a:xfrm>
+            <a:off x="94593" y="1"/>
+            <a:ext cx="8420757" cy="510777"/>
+          </a:xfrm>
+        </p:spPr>
+        <p:txBody>
+          <a:bodyPr>
+            <a:normAutofit fontScale="90000"/>
+          </a:bodyPr>
+          <a:lstStyle/>
+          <a:p>
+            <a:r>
+              <a:rPr lang="en-US" b="1" dirty="0"/>
+              <a:t>Brief intro of Sequential model</a:t>
+            </a:r>
+          </a:p>
+        </p:txBody>
+      </p:sp>
+      <p:sp>
+        <p:nvSpPr>
+          <p:cNvPr id="3" name="Content Placeholder 2">
+            <a:extLst>
+              <a:ext uri="{FF2B5EF4-FFF2-40B4-BE49-F238E27FC236}">
+                <a16:creationId xmlns:a16="http://schemas.microsoft.com/office/drawing/2014/main" id="{7C99594E-F17D-47CE-A23D-4D2B7567B4A7}"/>
+              </a:ext>
+            </a:extLst>
+          </p:cNvPr>
+          <p:cNvSpPr>
+            <a:spLocks noGrp="1"/>
+          </p:cNvSpPr>
+          <p:nvPr>
+            <p:ph idx="1"/>
+          </p:nvPr>
+        </p:nvSpPr>
+        <p:spPr>
+          <a:xfrm>
+            <a:off x="94593" y="510779"/>
+            <a:ext cx="9049407" cy="4346972"/>
+          </a:xfrm>
+        </p:spPr>
+        <p:txBody>
+          <a:bodyPr>
+            <a:normAutofit fontScale="92500" lnSpcReduction="10000"/>
+          </a:bodyPr>
+          <a:lstStyle/>
+          <a:p>
+            <a:r>
+              <a:rPr lang="en-US" b="0" i="0" dirty="0">
+                <a:solidFill>
+                  <a:srgbClr val="232629"/>
+                </a:solidFill>
+                <a:effectLst/>
+              </a:rPr>
+              <a:t>RNN are the "time series version" of ANNs. They are meant to process </a:t>
+            </a:r>
+            <a:r>
+              <a:rPr lang="en-US" b="0" i="1" dirty="0">
+                <a:solidFill>
+                  <a:srgbClr val="232629"/>
+                </a:solidFill>
+                <a:effectLst/>
+              </a:rPr>
+              <a:t>sequences</a:t>
+            </a:r>
+            <a:r>
+              <a:rPr lang="en-US" b="0" i="0" dirty="0">
+                <a:solidFill>
+                  <a:srgbClr val="232629"/>
+                </a:solidFill>
+                <a:effectLst/>
+              </a:rPr>
+              <a:t> of data.</a:t>
+            </a:r>
+            <a:endParaRPr lang="en-US" b="0" i="0" dirty="0">
+              <a:solidFill>
+                <a:srgbClr val="222222"/>
+              </a:solidFill>
+              <a:effectLst/>
+            </a:endParaRPr>
+          </a:p>
+          <a:p>
+            <a:r>
+              <a:rPr lang="en-US" b="0" i="0" dirty="0">
+                <a:solidFill>
+                  <a:srgbClr val="222222"/>
+                </a:solidFill>
+                <a:effectLst/>
+              </a:rPr>
+              <a:t>A looping constraint on the hidden layer of ANN turns to RNN.</a:t>
+            </a:r>
+            <a:endParaRPr lang="en-US" b="0" i="0" dirty="0">
+              <a:solidFill>
+                <a:srgbClr val="000000"/>
+              </a:solidFill>
+              <a:effectLst/>
+            </a:endParaRPr>
+          </a:p>
+          <a:p>
+            <a:r>
+              <a:rPr lang="en-US" b="0" i="0" dirty="0">
+                <a:solidFill>
+                  <a:srgbClr val="000000"/>
+                </a:solidFill>
+                <a:effectLst/>
+              </a:rPr>
+              <a:t>An RNN can be thought of as multiple copies of the same network, each passing a message to a successor.</a:t>
+            </a:r>
+          </a:p>
+          <a:p>
+            <a:endParaRPr lang="en-US" dirty="0">
+              <a:solidFill>
+                <a:srgbClr val="000000"/>
+              </a:solidFill>
+              <a:latin typeface="Helvetica Neue"/>
+            </a:endParaRPr>
+          </a:p>
+          <a:p>
+            <a:endParaRPr lang="en-US" b="0" i="0" dirty="0">
+              <a:solidFill>
+                <a:srgbClr val="000000"/>
+              </a:solidFill>
+              <a:effectLst/>
+              <a:latin typeface="Helvetica Neue"/>
+            </a:endParaRPr>
+          </a:p>
+          <a:p>
+            <a:endParaRPr lang="en-US" dirty="0">
+              <a:solidFill>
+                <a:srgbClr val="000000"/>
+              </a:solidFill>
+              <a:latin typeface="Helvetica Neue"/>
+            </a:endParaRPr>
+          </a:p>
+          <a:p>
+            <a:endParaRPr lang="en-US" b="0" i="0" dirty="0">
+              <a:solidFill>
+                <a:srgbClr val="000000"/>
+              </a:solidFill>
+              <a:effectLst/>
+              <a:latin typeface="Helvetica Neue"/>
+            </a:endParaRPr>
+          </a:p>
+          <a:p>
+            <a:endParaRPr lang="en-US" dirty="0">
+              <a:solidFill>
+                <a:srgbClr val="000000"/>
+              </a:solidFill>
+              <a:latin typeface="Helvetica Neue"/>
+            </a:endParaRPr>
+          </a:p>
+          <a:p>
+            <a:endParaRPr lang="en-US" b="0" i="0" dirty="0">
+              <a:solidFill>
+                <a:srgbClr val="000000"/>
+              </a:solidFill>
+              <a:effectLst/>
+              <a:latin typeface="Helvetica Neue"/>
+            </a:endParaRPr>
+          </a:p>
+          <a:p>
+            <a:pPr algn="l"/>
+            <a:endParaRPr lang="en-US" b="0" i="0" dirty="0">
+              <a:solidFill>
+                <a:srgbClr val="000000"/>
+              </a:solidFill>
+              <a:effectLst/>
+            </a:endParaRPr>
+          </a:p>
+          <a:p>
+            <a:pPr algn="l"/>
+            <a:r>
+              <a:rPr lang="en-US" b="0" i="0" dirty="0">
+                <a:solidFill>
+                  <a:srgbClr val="000000"/>
+                </a:solidFill>
+                <a:effectLst/>
+              </a:rPr>
+              <a:t>RNNs can learn to use the past information but as that gap grows, RNNs become unable to learn to connect the information.</a:t>
+            </a:r>
+          </a:p>
+          <a:p>
+            <a:pPr algn="l"/>
+            <a:r>
+              <a:rPr lang="en-US" dirty="0">
+                <a:solidFill>
+                  <a:srgbClr val="000000"/>
+                </a:solidFill>
+              </a:rPr>
+              <a:t>Also, vanishing and exploding gradient issues come with a simple RNN.</a:t>
+            </a:r>
+            <a:endParaRPr lang="en-US" b="0" i="0" dirty="0">
+              <a:solidFill>
+                <a:srgbClr val="000000"/>
+              </a:solidFill>
+              <a:effectLst/>
+            </a:endParaRPr>
+          </a:p>
+          <a:p>
+            <a:endParaRPr lang="en-US" b="0" i="0" dirty="0">
+              <a:solidFill>
+                <a:srgbClr val="000000"/>
+              </a:solidFill>
+              <a:effectLst/>
+              <a:latin typeface="Helvetica Neue"/>
+            </a:endParaRPr>
+          </a:p>
+        </p:txBody>
+      </p:sp>
+      <p:pic>
+        <p:nvPicPr>
+          <p:cNvPr id="5" name="Picture 4">
+            <a:extLst>
+              <a:ext uri="{FF2B5EF4-FFF2-40B4-BE49-F238E27FC236}">
+                <a16:creationId xmlns:a16="http://schemas.microsoft.com/office/drawing/2014/main" id="{2BBCB917-E4D0-4D85-8F01-197B24E8501D}"/>
+              </a:ext>
+            </a:extLst>
+          </p:cNvPr>
+          <p:cNvPicPr>
+            <a:picLocks noChangeAspect="1"/>
+          </p:cNvPicPr>
+          <p:nvPr/>
+        </p:nvPicPr>
+        <p:blipFill>
+          <a:blip r:embed="rId2"/>
+          <a:stretch>
+            <a:fillRect/>
+          </a:stretch>
+        </p:blipFill>
+        <p:spPr>
+          <a:xfrm>
+            <a:off x="2819400" y="2031472"/>
+            <a:ext cx="3857626" cy="1616604"/>
+          </a:xfrm>
+          <a:prstGeom prst="rect">
+            <a:avLst/>
+          </a:prstGeom>
+        </p:spPr>
+      </p:pic>
+      <p:sp>
+        <p:nvSpPr>
+          <p:cNvPr id="7" name="TextBox 6">
+            <a:extLst>
+              <a:ext uri="{FF2B5EF4-FFF2-40B4-BE49-F238E27FC236}">
+                <a16:creationId xmlns:a16="http://schemas.microsoft.com/office/drawing/2014/main" id="{BE1B225E-1E8A-4FDB-875E-B0A99BB9E327}"/>
+              </a:ext>
+            </a:extLst>
+          </p:cNvPr>
+          <p:cNvSpPr txBox="1"/>
+          <p:nvPr/>
+        </p:nvSpPr>
+        <p:spPr>
+          <a:xfrm>
+            <a:off x="2571751" y="4782444"/>
+            <a:ext cx="6477658" cy="307777"/>
+          </a:xfrm>
+          <a:prstGeom prst="rect">
+            <a:avLst/>
+          </a:prstGeom>
+          <a:noFill/>
+        </p:spPr>
+        <p:txBody>
+          <a:bodyPr wrap="square">
+            <a:spAutoFit/>
+          </a:bodyPr>
+          <a:lstStyle/>
+          <a:p>
+            <a:r>
+              <a:rPr lang="en-US" b="1" dirty="0"/>
+              <a:t>Reference: https://colah.github.io/posts/2015-08-Understanding-LSTMs/</a:t>
+            </a:r>
+          </a:p>
+        </p:txBody>
+      </p:sp>
+    </p:spTree>
+    <p:extLst>
+      <p:ext uri="{BB962C8B-B14F-4D97-AF65-F5344CB8AC3E}">
+        <p14:creationId xmlns:p14="http://schemas.microsoft.com/office/powerpoint/2010/main" val="2102523753"/>
+      </p:ext>
+    </p:extLst>
+  </p:cSld>
+  <p:clrMapOvr>
+    <a:masterClrMapping/>
+  </p:clrMapOvr>
+  <p:timing>
+    <p:tnLst>
+      <p:par>
+        <p:cTn id="1" dur="indefinite" restart="never" nodeType="tmRoot">
+          <p:childTnLst>
+            <p:seq concurrent="1" nextAc="seek">
+              <p:cTn id="2" dur="indefinite" nodeType="mainSeq">
+                <p:childTnLst>
+                  <p:par>
+                    <p:cTn id="3" fill="hold">
+                      <p:stCondLst>
+                        <p:cond delay="indefinite"/>
+                        <p:cond evt="onBegin" delay="0">
+                          <p:tn val="2"/>
+                        </p:cond>
+                      </p:stCondLst>
+                      <p:childTnLst>
+                        <p:par>
+                          <p:cTn id="4" fill="hold">
+                            <p:stCondLst>
+                              <p:cond delay="0"/>
+                            </p:stCondLst>
+                            <p:childTnLst>
+                              <p:par>
+                                <p:cTn id="5" presetID="1" presetClass="entr" presetSubtype="0" fill="hold" nodeType="withEffect">
+                                  <p:stCondLst>
+                                    <p:cond delay="0"/>
+                                  </p:stCondLst>
+                                  <p:childTnLst>
+                                    <p:set>
+                                      <p:cBhvr>
+                                        <p:cTn id="6" dur="1" fill="hold">
+                                          <p:stCondLst>
+                                            <p:cond delay="0"/>
+                                          </p:stCondLst>
+                                        </p:cTn>
+                                        <p:tgtEl>
+                                          <p:spTgt spid="5"/>
+                                        </p:tgtEl>
+                                        <p:attrNameLst>
+                                          <p:attrName>style.visibility</p:attrName>
+                                        </p:attrNameLst>
+                                      </p:cBhvr>
+                                      <p:to>
+                                        <p:strVal val="visible"/>
+                                      </p:to>
+                                    </p:set>
+                                  </p:childTnLst>
+                                </p:cTn>
+                              </p:par>
+                            </p:childTnLst>
+                          </p:cTn>
+                        </p:par>
+                      </p:childTnLst>
+                    </p:cTn>
+                  </p:par>
+                </p:childTnLst>
+              </p:cTn>
+              <p:prevCondLst>
+                <p:cond evt="onPrev" delay="0">
+                  <p:tgtEl>
+                    <p:sldTgt/>
+                  </p:tgtEl>
+                </p:cond>
+              </p:prevCondLst>
+              <p:nextCondLst>
+                <p:cond evt="onNext" delay="0">
+                  <p:tgtEl>
+                    <p:sldTgt/>
+                  </p:tgtEl>
+                </p:cond>
+              </p:nextCondLst>
+            </p:seq>
+          </p:childTnLst>
+        </p:cTn>
+      </p:par>
+    </p:tnLst>
+  </p:timing>
+</p:sld>
+</file>
+
+<file path=ppt/slides/slide12.xml><?xml version="1.0" encoding="utf-8"?>
+<p:sld xmlns:a="http://schemas.openxmlformats.org/drawingml/2006/main" xmlns:r="http://schemas.openxmlformats.org/officeDocument/2006/relationships" xmlns:p="http://schemas.openxmlformats.org/presentationml/2006/main">
+  <p:cSld>
+    <p:spTree>
+      <p:nvGrpSpPr>
+        <p:cNvPr id="1" name=""/>
+        <p:cNvGrpSpPr/>
+        <p:nvPr/>
+      </p:nvGrpSpPr>
+      <p:grpSpPr>
+        <a:xfrm>
+          <a:off x="0" y="0"/>
+          <a:ext cx="0" cy="0"/>
+          <a:chOff x="0" y="0"/>
+          <a:chExt cx="0" cy="0"/>
+        </a:xfrm>
+      </p:grpSpPr>
+      <p:sp>
+        <p:nvSpPr>
+          <p:cNvPr id="2" name="Title 1">
+            <a:extLst>
+              <a:ext uri="{FF2B5EF4-FFF2-40B4-BE49-F238E27FC236}">
+                <a16:creationId xmlns:a16="http://schemas.microsoft.com/office/drawing/2014/main" id="{F92E3AD2-849F-4FA9-A66B-D43BC030B15A}"/>
+              </a:ext>
+            </a:extLst>
+          </p:cNvPr>
+          <p:cNvSpPr>
+            <a:spLocks noGrp="1"/>
+          </p:cNvSpPr>
+          <p:nvPr>
+            <p:ph type="title"/>
+          </p:nvPr>
+        </p:nvSpPr>
+        <p:spPr>
+          <a:xfrm>
+            <a:off x="514350" y="103853"/>
+            <a:ext cx="2686049" cy="448597"/>
+          </a:xfrm>
+        </p:spPr>
+        <p:txBody>
+          <a:bodyPr>
+            <a:normAutofit fontScale="90000"/>
+          </a:bodyPr>
+          <a:lstStyle/>
+          <a:p>
+            <a:r>
+              <a:rPr lang="en-US" b="1" dirty="0"/>
+              <a:t>LSTM &amp; </a:t>
+            </a:r>
+            <a:r>
+              <a:rPr lang="en-US" b="1" dirty="0" err="1"/>
+              <a:t>BiLSTM</a:t>
+            </a:r>
+            <a:endParaRPr lang="en-US" b="1" dirty="0"/>
+          </a:p>
+        </p:txBody>
+      </p:sp>
+      <p:sp>
+        <p:nvSpPr>
+          <p:cNvPr id="3" name="Content Placeholder 2">
+            <a:extLst>
+              <a:ext uri="{FF2B5EF4-FFF2-40B4-BE49-F238E27FC236}">
+                <a16:creationId xmlns:a16="http://schemas.microsoft.com/office/drawing/2014/main" id="{148D1495-F3DA-439D-B082-2CEAB81CB843}"/>
+              </a:ext>
+            </a:extLst>
+          </p:cNvPr>
+          <p:cNvSpPr>
+            <a:spLocks noGrp="1"/>
+          </p:cNvSpPr>
+          <p:nvPr>
+            <p:ph idx="1"/>
+          </p:nvPr>
+        </p:nvSpPr>
+        <p:spPr>
+          <a:xfrm>
+            <a:off x="0" y="621507"/>
+            <a:ext cx="9060180" cy="2335053"/>
+          </a:xfrm>
+        </p:spPr>
+        <p:txBody>
+          <a:bodyPr/>
+          <a:lstStyle/>
+          <a:p>
+            <a:r>
+              <a:rPr lang="en-US" b="0" i="0" dirty="0">
+                <a:solidFill>
+                  <a:srgbClr val="000000"/>
+                </a:solidFill>
+                <a:effectLst/>
+                <a:latin typeface="Helvetica Neue"/>
+              </a:rPr>
+              <a:t>“LSTMs” – are a special kind of RNN, capable of learning long-term dependencies</a:t>
+            </a:r>
+          </a:p>
+          <a:p>
+            <a:r>
+              <a:rPr lang="en-US" b="0" i="0" dirty="0">
+                <a:solidFill>
+                  <a:srgbClr val="000000"/>
+                </a:solidFill>
+                <a:effectLst/>
+                <a:latin typeface="Helvetica Neue"/>
+              </a:rPr>
+              <a:t>The key to LSTMs is the cell state</a:t>
+            </a:r>
+          </a:p>
+          <a:p>
+            <a:r>
+              <a:rPr lang="en-US" b="0" i="0" dirty="0">
+                <a:solidFill>
+                  <a:srgbClr val="000000"/>
+                </a:solidFill>
+                <a:effectLst/>
+                <a:latin typeface="Helvetica Neue"/>
+              </a:rPr>
+              <a:t>The LSTM does have the ability to </a:t>
+            </a:r>
+            <a:r>
+              <a:rPr lang="en-US" b="1" i="0" dirty="0">
+                <a:solidFill>
+                  <a:srgbClr val="000000"/>
+                </a:solidFill>
+                <a:effectLst/>
+                <a:latin typeface="Helvetica Neue"/>
+              </a:rPr>
+              <a:t>remove or add information to the cell state</a:t>
+            </a:r>
+            <a:r>
+              <a:rPr lang="en-US" b="0" i="0" dirty="0">
+                <a:solidFill>
+                  <a:srgbClr val="000000"/>
+                </a:solidFill>
+                <a:effectLst/>
+                <a:latin typeface="Helvetica Neue"/>
+              </a:rPr>
+              <a:t>, carefully regulated by structures called gates.</a:t>
+            </a:r>
+            <a:endParaRPr lang="en-US" dirty="0">
+              <a:solidFill>
+                <a:srgbClr val="000000"/>
+              </a:solidFill>
+              <a:latin typeface="Helvetica Neue"/>
+            </a:endParaRPr>
+          </a:p>
+          <a:p>
+            <a:endParaRPr lang="en-US" dirty="0"/>
+          </a:p>
+        </p:txBody>
+      </p:sp>
+      <p:sp>
+        <p:nvSpPr>
+          <p:cNvPr id="9" name="TextBox 8">
+            <a:extLst>
+              <a:ext uri="{FF2B5EF4-FFF2-40B4-BE49-F238E27FC236}">
+                <a16:creationId xmlns:a16="http://schemas.microsoft.com/office/drawing/2014/main" id="{1E9EDD06-871E-4FD1-B64B-D693EC64902D}"/>
+              </a:ext>
+            </a:extLst>
+          </p:cNvPr>
+          <p:cNvSpPr txBox="1"/>
+          <p:nvPr/>
+        </p:nvSpPr>
+        <p:spPr>
+          <a:xfrm>
+            <a:off x="5945857" y="1802205"/>
+            <a:ext cx="2966085" cy="1223412"/>
+          </a:xfrm>
+          <a:prstGeom prst="rect">
+            <a:avLst/>
+          </a:prstGeom>
+          <a:noFill/>
+        </p:spPr>
+        <p:txBody>
+          <a:bodyPr wrap="square">
+            <a:spAutoFit/>
+          </a:bodyPr>
+          <a:lstStyle/>
+          <a:p>
+            <a:r>
+              <a:rPr lang="en-US" sz="1050" b="1" dirty="0">
+                <a:latin typeface="Helvetica Neue"/>
+              </a:rPr>
+              <a:t>Forget gate: </a:t>
+            </a:r>
+            <a:r>
+              <a:rPr lang="en-US" sz="1050" dirty="0">
+                <a:latin typeface="Helvetica Neue"/>
+              </a:rPr>
+              <a:t>what is relevant to keep from the prior steps?</a:t>
+            </a:r>
+          </a:p>
+          <a:p>
+            <a:endParaRPr lang="en-US" sz="1050" dirty="0">
+              <a:latin typeface="Helvetica Neue"/>
+            </a:endParaRPr>
+          </a:p>
+          <a:p>
+            <a:r>
+              <a:rPr lang="en-US" sz="1050" b="1" dirty="0">
+                <a:latin typeface="Helvetica Neue"/>
+              </a:rPr>
+              <a:t>Input gate: </a:t>
+            </a:r>
+            <a:r>
+              <a:rPr lang="en-US" sz="1050" dirty="0">
+                <a:latin typeface="Helvetica Neue"/>
+              </a:rPr>
+              <a:t>what information is relevant to add from the current state</a:t>
+            </a:r>
+          </a:p>
+          <a:p>
+            <a:endParaRPr lang="en-US" sz="1050" dirty="0">
+              <a:latin typeface="Helvetica Neue"/>
+            </a:endParaRPr>
+          </a:p>
+          <a:p>
+            <a:r>
+              <a:rPr lang="en-US" sz="1050" b="1" dirty="0">
+                <a:latin typeface="Helvetica Neue"/>
+              </a:rPr>
+              <a:t>Output gate: </a:t>
+            </a:r>
+            <a:r>
+              <a:rPr lang="en-US" sz="1050" dirty="0">
+                <a:latin typeface="Helvetica Neue"/>
+              </a:rPr>
+              <a:t>determines next hidden states </a:t>
+            </a:r>
+            <a:endParaRPr lang="en-US" sz="1050" dirty="0"/>
+          </a:p>
+        </p:txBody>
+      </p:sp>
+      <p:pic>
+        <p:nvPicPr>
+          <p:cNvPr id="11" name="Picture 10" descr="Diagram&#10;&#10;Description automatically generated">
+            <a:extLst>
+              <a:ext uri="{FF2B5EF4-FFF2-40B4-BE49-F238E27FC236}">
+                <a16:creationId xmlns:a16="http://schemas.microsoft.com/office/drawing/2014/main" id="{4C5D4F06-1114-4AE4-8099-97E9AD3D621B}"/>
+              </a:ext>
+            </a:extLst>
+          </p:cNvPr>
+          <p:cNvPicPr>
+            <a:picLocks noChangeAspect="1"/>
+          </p:cNvPicPr>
+          <p:nvPr/>
+        </p:nvPicPr>
+        <p:blipFill rotWithShape="1">
+          <a:blip r:embed="rId2">
+            <a:extLst>
+              <a:ext uri="{28A0092B-C50C-407E-A947-70E740481C1C}">
+                <a14:useLocalDpi xmlns:a14="http://schemas.microsoft.com/office/drawing/2010/main" val="0"/>
+              </a:ext>
+            </a:extLst>
+          </a:blip>
+          <a:srcRect l="4582" t="7168" b="15478"/>
+          <a:stretch/>
+        </p:blipFill>
+        <p:spPr>
+          <a:xfrm>
+            <a:off x="296476" y="1942646"/>
+            <a:ext cx="5501143" cy="2335053"/>
+          </a:xfrm>
+          <a:prstGeom prst="rect">
+            <a:avLst/>
+          </a:prstGeom>
+        </p:spPr>
+      </p:pic>
+      <p:sp>
+        <p:nvSpPr>
+          <p:cNvPr id="7" name="TextBox 6">
+            <a:extLst>
+              <a:ext uri="{FF2B5EF4-FFF2-40B4-BE49-F238E27FC236}">
+                <a16:creationId xmlns:a16="http://schemas.microsoft.com/office/drawing/2014/main" id="{EFADB115-F86D-4644-A219-82BFB77C6B51}"/>
+              </a:ext>
+            </a:extLst>
+          </p:cNvPr>
+          <p:cNvSpPr txBox="1"/>
+          <p:nvPr/>
+        </p:nvSpPr>
+        <p:spPr>
+          <a:xfrm>
+            <a:off x="4800600" y="3552482"/>
+            <a:ext cx="4343400" cy="1169551"/>
+          </a:xfrm>
+          <a:prstGeom prst="rect">
+            <a:avLst/>
+          </a:prstGeom>
+          <a:noFill/>
+        </p:spPr>
+        <p:txBody>
+          <a:bodyPr wrap="square">
+            <a:spAutoFit/>
+          </a:bodyPr>
+          <a:lstStyle/>
+          <a:p>
+            <a:pPr algn="l" fontAlgn="base"/>
+            <a:r>
+              <a:rPr lang="en-US" b="0" i="0" dirty="0">
+                <a:solidFill>
+                  <a:srgbClr val="232629"/>
+                </a:solidFill>
+                <a:effectLst/>
+                <a:latin typeface="-apple-system"/>
+              </a:rPr>
+              <a:t>LSTM only preserves information of the </a:t>
+            </a:r>
+            <a:r>
+              <a:rPr lang="en-US" b="1" i="0" dirty="0">
+                <a:solidFill>
+                  <a:srgbClr val="232629"/>
+                </a:solidFill>
+                <a:effectLst/>
+                <a:latin typeface="inherit"/>
+              </a:rPr>
+              <a:t>past</a:t>
+            </a:r>
+            <a:r>
+              <a:rPr lang="en-US" b="0" i="0" dirty="0">
+                <a:solidFill>
+                  <a:srgbClr val="232629"/>
+                </a:solidFill>
+                <a:effectLst/>
+                <a:latin typeface="-apple-system"/>
+              </a:rPr>
+              <a:t> because the only inputs it has seen are from the past.</a:t>
+            </a:r>
+          </a:p>
+          <a:p>
+            <a:pPr algn="l" fontAlgn="base"/>
+            <a:r>
+              <a:rPr lang="en-US" b="0" i="0" dirty="0" err="1">
+                <a:solidFill>
+                  <a:srgbClr val="232629"/>
+                </a:solidFill>
+                <a:effectLst/>
+                <a:latin typeface="-apple-system"/>
+              </a:rPr>
+              <a:t>BiLSTM</a:t>
+            </a:r>
+            <a:r>
+              <a:rPr lang="en-US" b="0" i="0" dirty="0">
+                <a:solidFill>
+                  <a:srgbClr val="232629"/>
+                </a:solidFill>
+                <a:effectLst/>
+                <a:latin typeface="-apple-system"/>
+              </a:rPr>
+              <a:t> will run your inputs in two ways, one from past to future and one from future to past so it preserve information from </a:t>
+            </a:r>
+            <a:r>
+              <a:rPr lang="en-US" b="1" i="0" dirty="0">
+                <a:solidFill>
+                  <a:srgbClr val="232629"/>
+                </a:solidFill>
+                <a:effectLst/>
+                <a:latin typeface="inherit"/>
+              </a:rPr>
+              <a:t>both past and future</a:t>
+            </a:r>
+            <a:r>
+              <a:rPr lang="en-US" b="0" i="0" dirty="0">
+                <a:solidFill>
+                  <a:srgbClr val="232629"/>
+                </a:solidFill>
+                <a:effectLst/>
+                <a:latin typeface="-apple-system"/>
+              </a:rPr>
+              <a:t>.</a:t>
+            </a:r>
+          </a:p>
+        </p:txBody>
+      </p:sp>
+    </p:spTree>
+    <p:extLst>
+      <p:ext uri="{BB962C8B-B14F-4D97-AF65-F5344CB8AC3E}">
+        <p14:creationId xmlns:p14="http://schemas.microsoft.com/office/powerpoint/2010/main" val="1854501743"/>
+      </p:ext>
+    </p:extLst>
+  </p:cSld>
+  <p:clrMapOvr>
+    <a:masterClrMapping/>
+  </p:clrMapOvr>
+</p:sld>
+</file>
+
+<file path=ppt/slides/slide13.xml><?xml version="1.0" encoding="utf-8"?>
 <p:sld xmlns:a="http://schemas.openxmlformats.org/drawingml/2006/main" xmlns:r="http://schemas.openxmlformats.org/officeDocument/2006/relationships" xmlns:p="http://schemas.openxmlformats.org/presentationml/2006/main">
   <p:cSld>
     <p:spTree>
@@ -7169,7 +8464,7 @@
 </p:sld>
 </file>
 
-<file path=ppt/slides/slide11.xml><?xml version="1.0" encoding="utf-8"?>
+<file path=ppt/slides/slide14.xml><?xml version="1.0" encoding="utf-8"?>
 <p:sld xmlns:a="http://schemas.openxmlformats.org/drawingml/2006/main" xmlns:r="http://schemas.openxmlformats.org/officeDocument/2006/relationships" xmlns:p="http://schemas.openxmlformats.org/presentationml/2006/main">
   <p:cSld>
     <p:spTree>
@@ -7466,10 +8761,10 @@
                         <a:buNone/>
                       </a:pPr>
                       <a:r>
-                        <a:rPr lang="en-GB"/>
+                        <a:rPr lang="en-GB" dirty="0"/>
                         <a:t>0.59</a:t>
                       </a:r>
-                      <a:endParaRPr/>
+                      <a:endParaRPr dirty="0"/>
                     </a:p>
                   </a:txBody>
                   <a:tcPr marL="91425" marR="91425" marT="91425" marB="91425"/>
@@ -7634,10 +8929,10 @@
                         <a:buNone/>
                       </a:pPr>
                       <a:r>
-                        <a:rPr lang="en-GB"/>
+                        <a:rPr lang="en-GB" dirty="0"/>
                         <a:t>0.84</a:t>
                       </a:r>
-                      <a:endParaRPr/>
+                      <a:endParaRPr dirty="0"/>
                     </a:p>
                   </a:txBody>
                   <a:tcPr marL="91425" marR="91425" marT="91425" marB="91425"/>
@@ -7688,7 +8983,7 @@
 </p:sld>
 </file>
 
-<file path=ppt/slides/slide12.xml><?xml version="1.0" encoding="utf-8"?>
+<file path=ppt/slides/slide15.xml><?xml version="1.0" encoding="utf-8"?>
 <p:sld xmlns:a="http://schemas.openxmlformats.org/drawingml/2006/main" xmlns:r="http://schemas.openxmlformats.org/officeDocument/2006/relationships" xmlns:p="http://schemas.openxmlformats.org/presentationml/2006/main">
   <p:cSld>
     <p:spTree>
@@ -7741,7 +9036,7 @@
 </p:sld>
 </file>
 
-<file path=ppt/slides/slide13.xml><?xml version="1.0" encoding="utf-8"?>
+<file path=ppt/slides/slide16.xml><?xml version="1.0" encoding="utf-8"?>
 <p:sld xmlns:a="http://schemas.openxmlformats.org/drawingml/2006/main" xmlns:r="http://schemas.openxmlformats.org/officeDocument/2006/relationships" xmlns:p="http://schemas.openxmlformats.org/presentationml/2006/main">
   <p:cSld>
     <p:spTree>
@@ -7936,7 +9231,7 @@
 </p:sld>
 </file>
 
-<file path=ppt/slides/slide14.xml><?xml version="1.0" encoding="utf-8"?>
+<file path=ppt/slides/slide17.xml><?xml version="1.0" encoding="utf-8"?>
 <p:sld xmlns:a="http://schemas.openxmlformats.org/drawingml/2006/main" xmlns:r="http://schemas.openxmlformats.org/officeDocument/2006/relationships" xmlns:p="http://schemas.openxmlformats.org/presentationml/2006/main">
   <p:cSld>
     <p:spTree>
@@ -8090,8 +9385,8 @@
         </p:nvSpPr>
         <p:spPr>
           <a:xfrm>
-            <a:off x="0" y="1017725"/>
-            <a:ext cx="8832300" cy="3551100"/>
+            <a:off x="-1" y="1017725"/>
+            <a:ext cx="9001125" cy="3754300"/>
           </a:xfrm>
           <a:prstGeom prst="rect">
             <a:avLst/>
@@ -8099,7 +9394,7 @@
         </p:spPr>
         <p:txBody>
           <a:bodyPr spcFirstLastPara="1" wrap="square" lIns="91425" tIns="91425" rIns="91425" bIns="91425" anchor="t" anchorCtr="0">
-            <a:normAutofit/>
+            <a:normAutofit fontScale="92500" lnSpcReduction="10000"/>
           </a:bodyPr>
           <a:lstStyle/>
           <a:p>
@@ -8114,10 +9409,22 @@
               <a:buChar char="●"/>
             </a:pPr>
             <a:r>
-              <a:rPr lang="en-GB"/>
+              <a:rPr lang="en-GB" dirty="0"/>
               <a:t>Proteins are the complex biomolecules that plays an important role in living organism. </a:t>
             </a:r>
-            <a:endParaRPr/>
+          </a:p>
+          <a:p>
+            <a:pPr marL="457200" lvl="0" indent="-342900" algn="l" rtl="0">
+              <a:spcBef>
+                <a:spcPts val="0"/>
+              </a:spcBef>
+              <a:spcAft>
+                <a:spcPts val="0"/>
+              </a:spcAft>
+              <a:buSzPts val="1800"/>
+              <a:buChar char="●"/>
+            </a:pPr>
+            <a:endParaRPr dirty="0"/>
           </a:p>
           <a:p>
             <a:pPr marL="457200" lvl="0" indent="-342900" algn="l" rtl="0">
@@ -8131,10 +9438,22 @@
               <a:buChar char="●"/>
             </a:pPr>
             <a:r>
-              <a:rPr lang="en-GB"/>
+              <a:rPr lang="en-GB" dirty="0"/>
               <a:t>Proteins are made up of amino acids; a long chain of chemical units represented by alphabets</a:t>
             </a:r>
-            <a:endParaRPr/>
+          </a:p>
+          <a:p>
+            <a:pPr marL="457200" lvl="0" indent="-342900" algn="l" rtl="0">
+              <a:spcBef>
+                <a:spcPts val="0"/>
+              </a:spcBef>
+              <a:spcAft>
+                <a:spcPts val="0"/>
+              </a:spcAft>
+              <a:buSzPts val="1800"/>
+              <a:buChar char="●"/>
+            </a:pPr>
+            <a:endParaRPr dirty="0"/>
           </a:p>
           <a:p>
             <a:pPr marL="457200" lvl="0" indent="-342900" algn="l" rtl="0">
@@ -8148,10 +9467,22 @@
               <a:buChar char="●"/>
             </a:pPr>
             <a:r>
-              <a:rPr lang="en-GB"/>
+              <a:rPr lang="en-GB" dirty="0"/>
               <a:t>There are 20 most common amino acids that are arranged randomly in a sequence which generates millions of unique proteins</a:t>
             </a:r>
-            <a:endParaRPr/>
+          </a:p>
+          <a:p>
+            <a:pPr marL="457200" lvl="0" indent="-342900" algn="l" rtl="0">
+              <a:spcBef>
+                <a:spcPts val="0"/>
+              </a:spcBef>
+              <a:spcAft>
+                <a:spcPts val="0"/>
+              </a:spcAft>
+              <a:buSzPts val="1800"/>
+              <a:buChar char="●"/>
+            </a:pPr>
+            <a:endParaRPr dirty="0"/>
           </a:p>
           <a:p>
             <a:pPr marL="457200" lvl="0" indent="-342900" algn="l" rtl="0">
@@ -8165,10 +9496,22 @@
               <a:buChar char="●"/>
             </a:pPr>
             <a:r>
-              <a:rPr lang="en-GB"/>
+              <a:rPr lang="en-GB" dirty="0"/>
               <a:t>Traditional experimental methods uses chemical and physical properties to classify protein families, which is complex and time consuming</a:t>
             </a:r>
-            <a:endParaRPr/>
+          </a:p>
+          <a:p>
+            <a:pPr marL="457200" lvl="0" indent="-342900" algn="l" rtl="0">
+              <a:spcBef>
+                <a:spcPts val="0"/>
+              </a:spcBef>
+              <a:spcAft>
+                <a:spcPts val="0"/>
+              </a:spcAft>
+              <a:buSzPts val="1800"/>
+              <a:buChar char="●"/>
+            </a:pPr>
+            <a:endParaRPr dirty="0"/>
           </a:p>
           <a:p>
             <a:pPr marL="457200" lvl="0" indent="-342900" algn="l" rtl="0">
@@ -8182,10 +9525,10 @@
               <a:buChar char="●"/>
             </a:pPr>
             <a:r>
-              <a:rPr lang="en-GB"/>
+              <a:rPr lang="en-GB" dirty="0"/>
               <a:t>This project aims to classify protein families using several Machine/Deep Learning approaches. </a:t>
             </a:r>
-            <a:endParaRPr/>
+            <a:endParaRPr dirty="0"/>
           </a:p>
         </p:txBody>
       </p:sp>
@@ -8249,10 +9592,10 @@
               <a:buNone/>
             </a:pPr>
             <a:r>
-              <a:rPr lang="en-GB"/>
+              <a:rPr lang="en-GB" dirty="0"/>
               <a:t>Data wrangling</a:t>
             </a:r>
-            <a:endParaRPr/>
+            <a:endParaRPr dirty="0"/>
           </a:p>
         </p:txBody>
       </p:sp>
@@ -8268,8 +9611,8 @@
         </p:nvSpPr>
         <p:spPr>
           <a:xfrm>
-            <a:off x="233075" y="1017725"/>
-            <a:ext cx="8520600" cy="3416400"/>
+            <a:off x="233074" y="1017724"/>
+            <a:ext cx="8599225" cy="3782875"/>
           </a:xfrm>
           <a:prstGeom prst="rect">
             <a:avLst/>
@@ -8277,7 +9620,7 @@
         </p:spPr>
         <p:txBody>
           <a:bodyPr spcFirstLastPara="1" wrap="square" lIns="91425" tIns="91425" rIns="91425" bIns="91425" anchor="t" anchorCtr="0">
-            <a:normAutofit/>
+            <a:normAutofit fontScale="92500"/>
           </a:bodyPr>
           <a:lstStyle/>
           <a:p>
@@ -8292,11 +9635,11 @@
               <a:buChar char="●"/>
             </a:pPr>
             <a:r>
-              <a:rPr lang="en-GB"/>
+              <a:rPr lang="en-GB" dirty="0"/>
               <a:t>Protein sequence data is downloaded from Kaggle. (</a:t>
             </a:r>
             <a:r>
-              <a:rPr lang="en-GB" u="sng">
+              <a:rPr lang="en-GB" u="sng" dirty="0">
                 <a:solidFill>
                   <a:schemeClr val="hlink"/>
                 </a:solidFill>
@@ -8305,10 +9648,22 @@
               <a:t>https://www.kaggle.com/shahir/protein-data-set</a:t>
             </a:r>
             <a:r>
-              <a:rPr lang="en-GB"/>
+              <a:rPr lang="en-GB" dirty="0"/>
               <a:t>)</a:t>
             </a:r>
-            <a:endParaRPr/>
+          </a:p>
+          <a:p>
+            <a:pPr marL="457200" lvl="0" indent="-342900" algn="l" rtl="0">
+              <a:spcBef>
+                <a:spcPts val="0"/>
+              </a:spcBef>
+              <a:spcAft>
+                <a:spcPts val="0"/>
+              </a:spcAft>
+              <a:buSzPts val="1800"/>
+              <a:buChar char="●"/>
+            </a:pPr>
+            <a:endParaRPr dirty="0"/>
           </a:p>
           <a:p>
             <a:pPr marL="457200" lvl="0" indent="-342900" algn="l" rtl="0">
@@ -8322,10 +9677,22 @@
               <a:buChar char="●"/>
             </a:pPr>
             <a:r>
-              <a:rPr lang="en-GB"/>
+              <a:rPr lang="en-GB" dirty="0"/>
               <a:t>There are two data files, one contains protein sequence whereas other is physical and chemical properties of protein.</a:t>
             </a:r>
-            <a:endParaRPr/>
+          </a:p>
+          <a:p>
+            <a:pPr marL="457200" lvl="0" indent="-342900" algn="l" rtl="0">
+              <a:spcBef>
+                <a:spcPts val="0"/>
+              </a:spcBef>
+              <a:spcAft>
+                <a:spcPts val="0"/>
+              </a:spcAft>
+              <a:buSzPts val="1800"/>
+              <a:buChar char="●"/>
+            </a:pPr>
+            <a:endParaRPr dirty="0"/>
           </a:p>
           <a:p>
             <a:pPr marL="457200" lvl="0" indent="-342900" algn="l" rtl="0">
@@ -8339,10 +9706,22 @@
               <a:buChar char="●"/>
             </a:pPr>
             <a:r>
-              <a:rPr lang="en-GB"/>
-              <a:t>More than 85000 Protein families are present in the data sets with approximately 3900 classes.</a:t>
+              <a:rPr lang="en-GB" dirty="0"/>
+              <a:t>More than 85000 instances are present in the datasets</a:t>
             </a:r>
-            <a:endParaRPr/>
+          </a:p>
+          <a:p>
+            <a:pPr marL="457200" lvl="0" indent="-342900" algn="l" rtl="0">
+              <a:spcBef>
+                <a:spcPts val="0"/>
+              </a:spcBef>
+              <a:spcAft>
+                <a:spcPts val="0"/>
+              </a:spcAft>
+              <a:buSzPts val="1800"/>
+              <a:buChar char="●"/>
+            </a:pPr>
+            <a:endParaRPr dirty="0"/>
           </a:p>
           <a:p>
             <a:pPr marL="457200" lvl="0" indent="-342900" algn="l" rtl="0">
@@ -8356,10 +9735,22 @@
               <a:buChar char="●"/>
             </a:pPr>
             <a:r>
-              <a:rPr lang="en-GB"/>
+              <a:rPr lang="en-GB" dirty="0"/>
               <a:t>Each features are carefully examine for missing values and the missing instances are removed from the data set.</a:t>
             </a:r>
-            <a:endParaRPr/>
+          </a:p>
+          <a:p>
+            <a:pPr marL="457200" lvl="0" indent="-342900" algn="l" rtl="0">
+              <a:spcBef>
+                <a:spcPts val="0"/>
+              </a:spcBef>
+              <a:spcAft>
+                <a:spcPts val="0"/>
+              </a:spcAft>
+              <a:buSzPts val="1800"/>
+              <a:buChar char="●"/>
+            </a:pPr>
+            <a:endParaRPr dirty="0"/>
           </a:p>
           <a:p>
             <a:pPr marL="457200" lvl="0" indent="-342900" algn="l" rtl="0">
@@ -8373,10 +9764,10 @@
               <a:buChar char="●"/>
             </a:pPr>
             <a:r>
-              <a:rPr lang="en-GB"/>
+              <a:rPr lang="en-GB" dirty="0"/>
               <a:t>After cleaning, approximately 75000 instances are available for the further steps.</a:t>
             </a:r>
-            <a:endParaRPr/>
+            <a:endParaRPr dirty="0"/>
           </a:p>
         </p:txBody>
       </p:sp>
@@ -8440,10 +9831,10 @@
               <a:buNone/>
             </a:pPr>
             <a:r>
-              <a:rPr lang="en-GB"/>
+              <a:rPr lang="en-GB" dirty="0"/>
               <a:t>Understanding data</a:t>
             </a:r>
-            <a:endParaRPr/>
+            <a:endParaRPr dirty="0"/>
           </a:p>
         </p:txBody>
       </p:sp>
@@ -8459,7 +9850,7 @@
         </p:nvSpPr>
         <p:spPr>
           <a:xfrm>
-            <a:off x="311700" y="668525"/>
+            <a:off x="311700" y="557825"/>
             <a:ext cx="1310400" cy="461700"/>
           </a:xfrm>
           <a:prstGeom prst="rect">
@@ -8508,17 +9899,14 @@
           <p:nvPr/>
         </p:nvPicPr>
         <p:blipFill>
-          <a:blip r:embed="rId3">
-            <a:alphaModFix/>
-          </a:blip>
-          <a:stretch>
-            <a:fillRect/>
-          </a:stretch>
+          <a:blip r:embed="rId3"/>
+          <a:srcRect/>
+          <a:stretch/>
         </p:blipFill>
         <p:spPr>
           <a:xfrm>
-            <a:off x="445525" y="1049050"/>
-            <a:ext cx="2600427" cy="2235976"/>
+            <a:off x="311700" y="1044485"/>
+            <a:ext cx="2893053" cy="2193876"/>
           </a:xfrm>
           <a:prstGeom prst="rect">
             <a:avLst/>
@@ -8672,14 +10060,14 @@
               <a:buNone/>
             </a:pPr>
             <a:r>
-              <a:rPr lang="en-GB" sz="1200">
+              <a:rPr lang="en-GB" sz="1200" dirty="0">
                 <a:solidFill>
                   <a:schemeClr val="dk2"/>
                 </a:solidFill>
               </a:rPr>
               <a:t>Amino acids are represented by alphabets</a:t>
             </a:r>
-            <a:endParaRPr sz="1200"/>
+            <a:endParaRPr sz="1200" dirty="0"/>
           </a:p>
         </p:txBody>
       </p:sp>
@@ -8749,14 +10137,14 @@
               <a:buNone/>
             </a:pPr>
             <a:r>
-              <a:rPr lang="en-GB" sz="1200">
+              <a:rPr lang="en-GB" sz="1200" dirty="0">
                 <a:solidFill>
                   <a:schemeClr val="dk2"/>
                 </a:solidFill>
               </a:rPr>
               <a:t>“Hydrolase” family with 286 amino acid units</a:t>
             </a:r>
-            <a:endParaRPr sz="1200"/>
+            <a:endParaRPr sz="1200" dirty="0"/>
           </a:p>
         </p:txBody>
       </p:sp>
@@ -8793,6 +10181,428 @@
   <p:clrMapOvr>
     <a:masterClrMapping/>
   </p:clrMapOvr>
+  <p:timing>
+    <p:tnLst>
+      <p:par>
+        <p:cTn id="1" dur="indefinite" restart="never" nodeType="tmRoot">
+          <p:childTnLst>
+            <p:seq concurrent="1" nextAc="seek">
+              <p:cTn id="2" dur="indefinite" nodeType="mainSeq">
+                <p:childTnLst>
+                  <p:par>
+                    <p:cTn id="3" fill="hold">
+                      <p:stCondLst>
+                        <p:cond delay="indefinite"/>
+                        <p:cond evt="onBegin" delay="0">
+                          <p:tn val="2"/>
+                        </p:cond>
+                      </p:stCondLst>
+                      <p:childTnLst>
+                        <p:par>
+                          <p:cTn id="4" fill="hold">
+                            <p:stCondLst>
+                              <p:cond delay="0"/>
+                            </p:stCondLst>
+                            <p:childTnLst>
+                              <p:par>
+                                <p:cTn id="5" presetID="1" presetClass="entr" presetSubtype="0" fill="hold" grpId="0" nodeType="withEffect">
+                                  <p:stCondLst>
+                                    <p:cond delay="0"/>
+                                  </p:stCondLst>
+                                  <p:childTnLst>
+                                    <p:set>
+                                      <p:cBhvr>
+                                        <p:cTn id="6" dur="1" fill="hold">
+                                          <p:stCondLst>
+                                            <p:cond delay="0"/>
+                                          </p:stCondLst>
+                                        </p:cTn>
+                                        <p:tgtEl>
+                                          <p:spTgt spid="72"/>
+                                        </p:tgtEl>
+                                        <p:attrNameLst>
+                                          <p:attrName>style.visibility</p:attrName>
+                                        </p:attrNameLst>
+                                      </p:cBhvr>
+                                      <p:to>
+                                        <p:strVal val="visible"/>
+                                      </p:to>
+                                    </p:set>
+                                  </p:childTnLst>
+                                </p:cTn>
+                              </p:par>
+                            </p:childTnLst>
+                          </p:cTn>
+                        </p:par>
+                      </p:childTnLst>
+                    </p:cTn>
+                  </p:par>
+                  <p:par>
+                    <p:cTn id="7" fill="hold">
+                      <p:stCondLst>
+                        <p:cond delay="indefinite"/>
+                      </p:stCondLst>
+                      <p:childTnLst>
+                        <p:par>
+                          <p:cTn id="8" fill="hold">
+                            <p:stCondLst>
+                              <p:cond delay="0"/>
+                            </p:stCondLst>
+                            <p:childTnLst>
+                              <p:par>
+                                <p:cTn id="9" presetID="1" presetClass="entr" presetSubtype="0" fill="hold" grpId="0" nodeType="clickEffect">
+                                  <p:stCondLst>
+                                    <p:cond delay="0"/>
+                                  </p:stCondLst>
+                                  <p:childTnLst>
+                                    <p:set>
+                                      <p:cBhvr>
+                                        <p:cTn id="10" dur="1" fill="hold">
+                                          <p:stCondLst>
+                                            <p:cond delay="0"/>
+                                          </p:stCondLst>
+                                        </p:cTn>
+                                        <p:tgtEl>
+                                          <p:spTgt spid="73">
+                                            <p:txEl>
+                                              <p:pRg st="0" end="0"/>
+                                            </p:txEl>
+                                          </p:spTgt>
+                                        </p:tgtEl>
+                                        <p:attrNameLst>
+                                          <p:attrName>style.visibility</p:attrName>
+                                        </p:attrNameLst>
+                                      </p:cBhvr>
+                                      <p:to>
+                                        <p:strVal val="visible"/>
+                                      </p:to>
+                                    </p:set>
+                                  </p:childTnLst>
+                                </p:cTn>
+                              </p:par>
+                              <p:par>
+                                <p:cTn id="11" presetID="1" presetClass="entr" presetSubtype="0" fill="hold" nodeType="withEffect">
+                                  <p:stCondLst>
+                                    <p:cond delay="0"/>
+                                  </p:stCondLst>
+                                  <p:childTnLst>
+                                    <p:set>
+                                      <p:cBhvr>
+                                        <p:cTn id="12" dur="1" fill="hold">
+                                          <p:stCondLst>
+                                            <p:cond delay="0"/>
+                                          </p:stCondLst>
+                                        </p:cTn>
+                                        <p:tgtEl>
+                                          <p:spTgt spid="74"/>
+                                        </p:tgtEl>
+                                        <p:attrNameLst>
+                                          <p:attrName>style.visibility</p:attrName>
+                                        </p:attrNameLst>
+                                      </p:cBhvr>
+                                      <p:to>
+                                        <p:strVal val="visible"/>
+                                      </p:to>
+                                    </p:set>
+                                  </p:childTnLst>
+                                </p:cTn>
+                              </p:par>
+                            </p:childTnLst>
+                          </p:cTn>
+                        </p:par>
+                      </p:childTnLst>
+                    </p:cTn>
+                  </p:par>
+                  <p:par>
+                    <p:cTn id="13" fill="hold">
+                      <p:stCondLst>
+                        <p:cond delay="indefinite"/>
+                      </p:stCondLst>
+                      <p:childTnLst>
+                        <p:par>
+                          <p:cTn id="14" fill="hold">
+                            <p:stCondLst>
+                              <p:cond delay="0"/>
+                            </p:stCondLst>
+                            <p:childTnLst>
+                              <p:par>
+                                <p:cTn id="15" presetID="1" presetClass="entr" presetSubtype="0" fill="hold" grpId="0" nodeType="clickEffect">
+                                  <p:stCondLst>
+                                    <p:cond delay="0"/>
+                                  </p:stCondLst>
+                                  <p:childTnLst>
+                                    <p:set>
+                                      <p:cBhvr>
+                                        <p:cTn id="16" dur="1" fill="hold">
+                                          <p:stCondLst>
+                                            <p:cond delay="0"/>
+                                          </p:stCondLst>
+                                        </p:cTn>
+                                        <p:tgtEl>
+                                          <p:spTgt spid="76"/>
+                                        </p:tgtEl>
+                                        <p:attrNameLst>
+                                          <p:attrName>style.visibility</p:attrName>
+                                        </p:attrNameLst>
+                                      </p:cBhvr>
+                                      <p:to>
+                                        <p:strVal val="visible"/>
+                                      </p:to>
+                                    </p:set>
+                                  </p:childTnLst>
+                                </p:cTn>
+                              </p:par>
+                              <p:par>
+                                <p:cTn id="17" presetID="1" presetClass="entr" presetSubtype="0" fill="hold" nodeType="withEffect">
+                                  <p:stCondLst>
+                                    <p:cond delay="0"/>
+                                  </p:stCondLst>
+                                  <p:childTnLst>
+                                    <p:set>
+                                      <p:cBhvr>
+                                        <p:cTn id="18" dur="1" fill="hold">
+                                          <p:stCondLst>
+                                            <p:cond delay="0"/>
+                                          </p:stCondLst>
+                                        </p:cTn>
+                                        <p:tgtEl>
+                                          <p:spTgt spid="75"/>
+                                        </p:tgtEl>
+                                        <p:attrNameLst>
+                                          <p:attrName>style.visibility</p:attrName>
+                                        </p:attrNameLst>
+                                      </p:cBhvr>
+                                      <p:to>
+                                        <p:strVal val="visible"/>
+                                      </p:to>
+                                    </p:set>
+                                  </p:childTnLst>
+                                </p:cTn>
+                              </p:par>
+                            </p:childTnLst>
+                          </p:cTn>
+                        </p:par>
+                      </p:childTnLst>
+                    </p:cTn>
+                  </p:par>
+                  <p:par>
+                    <p:cTn id="19" fill="hold">
+                      <p:stCondLst>
+                        <p:cond delay="indefinite"/>
+                      </p:stCondLst>
+                      <p:childTnLst>
+                        <p:par>
+                          <p:cTn id="20" fill="hold">
+                            <p:stCondLst>
+                              <p:cond delay="0"/>
+                            </p:stCondLst>
+                            <p:childTnLst>
+                              <p:par>
+                                <p:cTn id="21" presetID="1" presetClass="entr" presetSubtype="0" fill="hold" grpId="0" nodeType="clickEffect">
+                                  <p:stCondLst>
+                                    <p:cond delay="0"/>
+                                  </p:stCondLst>
+                                  <p:childTnLst>
+                                    <p:set>
+                                      <p:cBhvr>
+                                        <p:cTn id="22" dur="1" fill="hold">
+                                          <p:stCondLst>
+                                            <p:cond delay="0"/>
+                                          </p:stCondLst>
+                                        </p:cTn>
+                                        <p:tgtEl>
+                                          <p:spTgt spid="78"/>
+                                        </p:tgtEl>
+                                        <p:attrNameLst>
+                                          <p:attrName>style.visibility</p:attrName>
+                                        </p:attrNameLst>
+                                      </p:cBhvr>
+                                      <p:to>
+                                        <p:strVal val="visible"/>
+                                      </p:to>
+                                    </p:set>
+                                  </p:childTnLst>
+                                </p:cTn>
+                              </p:par>
+                              <p:par>
+                                <p:cTn id="23" presetID="1" presetClass="entr" presetSubtype="0" fill="hold" nodeType="withEffect">
+                                  <p:stCondLst>
+                                    <p:cond delay="0"/>
+                                  </p:stCondLst>
+                                  <p:childTnLst>
+                                    <p:set>
+                                      <p:cBhvr>
+                                        <p:cTn id="24" dur="1" fill="hold">
+                                          <p:stCondLst>
+                                            <p:cond delay="0"/>
+                                          </p:stCondLst>
+                                        </p:cTn>
+                                        <p:tgtEl>
+                                          <p:spTgt spid="77"/>
+                                        </p:tgtEl>
+                                        <p:attrNameLst>
+                                          <p:attrName>style.visibility</p:attrName>
+                                        </p:attrNameLst>
+                                      </p:cBhvr>
+                                      <p:to>
+                                        <p:strVal val="visible"/>
+                                      </p:to>
+                                    </p:set>
+                                  </p:childTnLst>
+                                </p:cTn>
+                              </p:par>
+                            </p:childTnLst>
+                          </p:cTn>
+                        </p:par>
+                      </p:childTnLst>
+                    </p:cTn>
+                  </p:par>
+                  <p:par>
+                    <p:cTn id="25" fill="hold">
+                      <p:stCondLst>
+                        <p:cond delay="indefinite"/>
+                      </p:stCondLst>
+                      <p:childTnLst>
+                        <p:par>
+                          <p:cTn id="26" fill="hold">
+                            <p:stCondLst>
+                              <p:cond delay="0"/>
+                            </p:stCondLst>
+                            <p:childTnLst>
+                              <p:par>
+                                <p:cTn id="27" presetID="1" presetClass="entr" presetSubtype="0" fill="hold" grpId="0" nodeType="clickEffect">
+                                  <p:stCondLst>
+                                    <p:cond delay="0"/>
+                                  </p:stCondLst>
+                                  <p:childTnLst>
+                                    <p:set>
+                                      <p:cBhvr>
+                                        <p:cTn id="28" dur="1" fill="hold">
+                                          <p:stCondLst>
+                                            <p:cond delay="0"/>
+                                          </p:stCondLst>
+                                        </p:cTn>
+                                        <p:tgtEl>
+                                          <p:spTgt spid="80"/>
+                                        </p:tgtEl>
+                                        <p:attrNameLst>
+                                          <p:attrName>style.visibility</p:attrName>
+                                        </p:attrNameLst>
+                                      </p:cBhvr>
+                                      <p:to>
+                                        <p:strVal val="visible"/>
+                                      </p:to>
+                                    </p:set>
+                                  </p:childTnLst>
+                                </p:cTn>
+                              </p:par>
+                              <p:par>
+                                <p:cTn id="29" presetID="1" presetClass="entr" presetSubtype="0" fill="hold" nodeType="withEffect">
+                                  <p:stCondLst>
+                                    <p:cond delay="0"/>
+                                  </p:stCondLst>
+                                  <p:childTnLst>
+                                    <p:set>
+                                      <p:cBhvr>
+                                        <p:cTn id="30" dur="1" fill="hold">
+                                          <p:stCondLst>
+                                            <p:cond delay="0"/>
+                                          </p:stCondLst>
+                                        </p:cTn>
+                                        <p:tgtEl>
+                                          <p:spTgt spid="79"/>
+                                        </p:tgtEl>
+                                        <p:attrNameLst>
+                                          <p:attrName>style.visibility</p:attrName>
+                                        </p:attrNameLst>
+                                      </p:cBhvr>
+                                      <p:to>
+                                        <p:strVal val="visible"/>
+                                      </p:to>
+                                    </p:set>
+                                  </p:childTnLst>
+                                </p:cTn>
+                              </p:par>
+                            </p:childTnLst>
+                          </p:cTn>
+                        </p:par>
+                      </p:childTnLst>
+                    </p:cTn>
+                  </p:par>
+                  <p:par>
+                    <p:cTn id="31" fill="hold">
+                      <p:stCondLst>
+                        <p:cond delay="indefinite"/>
+                      </p:stCondLst>
+                      <p:childTnLst>
+                        <p:par>
+                          <p:cTn id="32" fill="hold">
+                            <p:stCondLst>
+                              <p:cond delay="0"/>
+                            </p:stCondLst>
+                            <p:childTnLst>
+                              <p:par>
+                                <p:cTn id="33" presetID="1" presetClass="entr" presetSubtype="0" fill="hold" nodeType="clickEffect">
+                                  <p:stCondLst>
+                                    <p:cond delay="0"/>
+                                  </p:stCondLst>
+                                  <p:childTnLst>
+                                    <p:set>
+                                      <p:cBhvr>
+                                        <p:cTn id="34" dur="1" fill="hold">
+                                          <p:stCondLst>
+                                            <p:cond delay="0"/>
+                                          </p:stCondLst>
+                                        </p:cTn>
+                                        <p:tgtEl>
+                                          <p:spTgt spid="81"/>
+                                        </p:tgtEl>
+                                        <p:attrNameLst>
+                                          <p:attrName>style.visibility</p:attrName>
+                                        </p:attrNameLst>
+                                      </p:cBhvr>
+                                      <p:to>
+                                        <p:strVal val="visible"/>
+                                      </p:to>
+                                    </p:set>
+                                  </p:childTnLst>
+                                </p:cTn>
+                              </p:par>
+                            </p:childTnLst>
+                          </p:cTn>
+                        </p:par>
+                      </p:childTnLst>
+                    </p:cTn>
+                  </p:par>
+                </p:childTnLst>
+              </p:cTn>
+              <p:prevCondLst>
+                <p:cond evt="onPrev" delay="0">
+                  <p:tgtEl>
+                    <p:sldTgt/>
+                  </p:tgtEl>
+                </p:cond>
+              </p:prevCondLst>
+              <p:nextCondLst>
+                <p:cond evt="onNext" delay="0">
+                  <p:tgtEl>
+                    <p:sldTgt/>
+                  </p:tgtEl>
+                </p:cond>
+              </p:nextCondLst>
+            </p:seq>
+          </p:childTnLst>
+        </p:cTn>
+      </p:par>
+    </p:tnLst>
+    <p:bldLst>
+      <p:bldP spid="72" grpId="0"/>
+      <p:bldP spid="73" grpId="0" build="p"/>
+      <p:bldP spid="76" grpId="0"/>
+      <p:bldP spid="78" grpId="0"/>
+      <p:bldP spid="80" grpId="0"/>
+    </p:bldLst>
+  </p:timing>
 </p:sld>
 </file>
 
@@ -8855,44 +10665,6 @@
           </a:p>
         </p:txBody>
       </p:sp>
-      <p:sp>
-        <p:nvSpPr>
-          <p:cNvPr id="87" name="Google Shape;87;p17"/>
-          <p:cNvSpPr txBox="1">
-            <a:spLocks noGrp="1"/>
-          </p:cNvSpPr>
-          <p:nvPr>
-            <p:ph type="body" idx="1"/>
-          </p:nvPr>
-        </p:nvSpPr>
-        <p:spPr>
-          <a:xfrm>
-            <a:off x="0" y="652775"/>
-            <a:ext cx="4128900" cy="2988600"/>
-          </a:xfrm>
-          <a:prstGeom prst="rect">
-            <a:avLst/>
-          </a:prstGeom>
-        </p:spPr>
-        <p:txBody>
-          <a:bodyPr spcFirstLastPara="1" wrap="square" lIns="91425" tIns="91425" rIns="91425" bIns="91425" anchor="t" anchorCtr="0">
-            <a:normAutofit/>
-          </a:bodyPr>
-          <a:lstStyle/>
-          <a:p>
-            <a:pPr marL="0" lvl="0" indent="0" algn="l" rtl="0">
-              <a:spcBef>
-                <a:spcPts val="0"/>
-              </a:spcBef>
-              <a:spcAft>
-                <a:spcPts val="1200"/>
-              </a:spcAft>
-              <a:buNone/>
-            </a:pPr>
-            <a:endParaRPr/>
-          </a:p>
-        </p:txBody>
-      </p:sp>
       <p:pic>
         <p:nvPicPr>
           <p:cNvPr id="88" name="Google Shape;88;p17"/>
@@ -8909,7 +10681,7 @@
         </p:blipFill>
         <p:spPr>
           <a:xfrm>
-            <a:off x="53900" y="1038150"/>
+            <a:off x="159300" y="880312"/>
             <a:ext cx="4021099" cy="2894200"/>
           </a:xfrm>
           <a:prstGeom prst="rect">
@@ -8937,7 +10709,7 @@
         </p:blipFill>
         <p:spPr>
           <a:xfrm>
-            <a:off x="4336375" y="501925"/>
+            <a:off x="4379921" y="286350"/>
             <a:ext cx="4452379" cy="4266000"/>
           </a:xfrm>
           <a:prstGeom prst="rect">
@@ -8949,6 +10721,84 @@
           </a:ln>
         </p:spPr>
       </p:pic>
+      <p:sp>
+        <p:nvSpPr>
+          <p:cNvPr id="7" name="TextBox 6">
+            <a:extLst>
+              <a:ext uri="{FF2B5EF4-FFF2-40B4-BE49-F238E27FC236}">
+                <a16:creationId xmlns:a16="http://schemas.microsoft.com/office/drawing/2014/main" id="{7A03D82E-BFC7-4BB2-8519-B00B2496D05F}"/>
+              </a:ext>
+            </a:extLst>
+          </p:cNvPr>
+          <p:cNvSpPr txBox="1"/>
+          <p:nvPr/>
+        </p:nvSpPr>
+        <p:spPr>
+          <a:xfrm>
+            <a:off x="159300" y="3928235"/>
+            <a:ext cx="3612475" cy="307777"/>
+          </a:xfrm>
+          <a:prstGeom prst="rect">
+            <a:avLst/>
+          </a:prstGeom>
+          <a:noFill/>
+        </p:spPr>
+        <p:txBody>
+          <a:bodyPr wrap="square">
+            <a:spAutoFit/>
+          </a:bodyPr>
+          <a:lstStyle/>
+          <a:p>
+            <a:r>
+              <a:rPr lang="en-US" dirty="0">
+                <a:solidFill>
+                  <a:srgbClr val="FF0000"/>
+                </a:solidFill>
+              </a:rPr>
+              <a:t>87% of Macromolecules belong to Protein </a:t>
+            </a:r>
+          </a:p>
+        </p:txBody>
+      </p:sp>
+      <p:sp>
+        <p:nvSpPr>
+          <p:cNvPr id="8" name="TextBox 7">
+            <a:extLst>
+              <a:ext uri="{FF2B5EF4-FFF2-40B4-BE49-F238E27FC236}">
+                <a16:creationId xmlns:a16="http://schemas.microsoft.com/office/drawing/2014/main" id="{BE8C3ED9-7E4B-4583-8E4D-7D3E224DB56C}"/>
+              </a:ext>
+            </a:extLst>
+          </p:cNvPr>
+          <p:cNvSpPr txBox="1"/>
+          <p:nvPr/>
+        </p:nvSpPr>
+        <p:spPr>
+          <a:xfrm>
+            <a:off x="5838098" y="4552350"/>
+            <a:ext cx="2286728" cy="307777"/>
+          </a:xfrm>
+          <a:prstGeom prst="rect">
+            <a:avLst/>
+          </a:prstGeom>
+          <a:noFill/>
+        </p:spPr>
+        <p:txBody>
+          <a:bodyPr wrap="square">
+            <a:spAutoFit/>
+          </a:bodyPr>
+          <a:lstStyle/>
+          <a:p>
+            <a:r>
+              <a:rPr lang="en-US" dirty="0">
+                <a:solidFill>
+                  <a:srgbClr val="FF0000"/>
+                </a:solidFill>
+              </a:rPr>
+              <a:t>Protein family class (label)</a:t>
+            </a:r>
+          </a:p>
+        </p:txBody>
+      </p:sp>
     </p:spTree>
   </p:cSld>
   <p:clrMapOvr>
@@ -8958,6 +10808,330 @@
 </file>
 
 <file path=ppt/slides/slide6.xml><?xml version="1.0" encoding="utf-8"?>
+<p:sld xmlns:a="http://schemas.openxmlformats.org/drawingml/2006/main" xmlns:r="http://schemas.openxmlformats.org/officeDocument/2006/relationships" xmlns:p="http://schemas.openxmlformats.org/presentationml/2006/main">
+  <p:cSld>
+    <p:spTree>
+      <p:nvGrpSpPr>
+        <p:cNvPr id="1" name=""/>
+        <p:cNvGrpSpPr/>
+        <p:nvPr/>
+      </p:nvGrpSpPr>
+      <p:grpSpPr>
+        <a:xfrm>
+          <a:off x="0" y="0"/>
+          <a:ext cx="0" cy="0"/>
+          <a:chOff x="0" y="0"/>
+          <a:chExt cx="0" cy="0"/>
+        </a:xfrm>
+      </p:grpSpPr>
+      <p:pic>
+        <p:nvPicPr>
+          <p:cNvPr id="5" name="Picture 4">
+            <a:extLst>
+              <a:ext uri="{FF2B5EF4-FFF2-40B4-BE49-F238E27FC236}">
+                <a16:creationId xmlns:a16="http://schemas.microsoft.com/office/drawing/2014/main" id="{739CFDC6-F190-42CD-8FC3-3A681B8CD2B4}"/>
+              </a:ext>
+            </a:extLst>
+          </p:cNvPr>
+          <p:cNvPicPr>
+            <a:picLocks noChangeAspect="1"/>
+          </p:cNvPicPr>
+          <p:nvPr/>
+        </p:nvPicPr>
+        <p:blipFill>
+          <a:blip r:embed="rId2"/>
+          <a:stretch>
+            <a:fillRect/>
+          </a:stretch>
+        </p:blipFill>
+        <p:spPr>
+          <a:xfrm>
+            <a:off x="311700" y="935538"/>
+            <a:ext cx="4056990" cy="2909841"/>
+          </a:xfrm>
+          <a:prstGeom prst="rect">
+            <a:avLst/>
+          </a:prstGeom>
+        </p:spPr>
+      </p:pic>
+      <p:pic>
+        <p:nvPicPr>
+          <p:cNvPr id="7" name="Picture 6">
+            <a:extLst>
+              <a:ext uri="{FF2B5EF4-FFF2-40B4-BE49-F238E27FC236}">
+                <a16:creationId xmlns:a16="http://schemas.microsoft.com/office/drawing/2014/main" id="{71647B44-4732-421E-9576-E681BE132A63}"/>
+              </a:ext>
+            </a:extLst>
+          </p:cNvPr>
+          <p:cNvPicPr>
+            <a:picLocks noChangeAspect="1"/>
+          </p:cNvPicPr>
+          <p:nvPr/>
+        </p:nvPicPr>
+        <p:blipFill>
+          <a:blip r:embed="rId3"/>
+          <a:stretch>
+            <a:fillRect/>
+          </a:stretch>
+        </p:blipFill>
+        <p:spPr>
+          <a:xfrm>
+            <a:off x="4773673" y="935538"/>
+            <a:ext cx="4370327" cy="2909841"/>
+          </a:xfrm>
+          <a:prstGeom prst="rect">
+            <a:avLst/>
+          </a:prstGeom>
+        </p:spPr>
+      </p:pic>
+      <p:sp>
+        <p:nvSpPr>
+          <p:cNvPr id="10" name="TextBox 9">
+            <a:extLst>
+              <a:ext uri="{FF2B5EF4-FFF2-40B4-BE49-F238E27FC236}">
+                <a16:creationId xmlns:a16="http://schemas.microsoft.com/office/drawing/2014/main" id="{C356F904-32F6-4CCD-9BEC-105BCB645BC5}"/>
+              </a:ext>
+            </a:extLst>
+          </p:cNvPr>
+          <p:cNvSpPr txBox="1"/>
+          <p:nvPr/>
+        </p:nvSpPr>
+        <p:spPr>
+          <a:xfrm>
+            <a:off x="201673" y="3945776"/>
+            <a:ext cx="4572000" cy="318998"/>
+          </a:xfrm>
+          <a:prstGeom prst="rect">
+            <a:avLst/>
+          </a:prstGeom>
+          <a:noFill/>
+        </p:spPr>
+        <p:txBody>
+          <a:bodyPr wrap="square">
+            <a:spAutoFit/>
+          </a:bodyPr>
+          <a:lstStyle/>
+          <a:p>
+            <a:pPr marL="0" lvl="0" indent="0" algn="l" rtl="0">
+              <a:lnSpc>
+                <a:spcPct val="115000"/>
+              </a:lnSpc>
+              <a:spcBef>
+                <a:spcPts val="0"/>
+              </a:spcBef>
+              <a:spcAft>
+                <a:spcPts val="0"/>
+              </a:spcAft>
+              <a:buNone/>
+            </a:pPr>
+            <a:r>
+              <a:rPr lang="en-US" sz="1400" dirty="0">
+                <a:solidFill>
+                  <a:srgbClr val="FF0000"/>
+                </a:solidFill>
+              </a:rPr>
+              <a:t>Majority of sequences have lengths less than 500 units</a:t>
+            </a:r>
+          </a:p>
+        </p:txBody>
+      </p:sp>
+      <p:sp>
+        <p:nvSpPr>
+          <p:cNvPr id="12" name="TextBox 11">
+            <a:extLst>
+              <a:ext uri="{FF2B5EF4-FFF2-40B4-BE49-F238E27FC236}">
+                <a16:creationId xmlns:a16="http://schemas.microsoft.com/office/drawing/2014/main" id="{2855B5B7-F018-4AF9-9AE8-DC6C8A7BBDAD}"/>
+              </a:ext>
+            </a:extLst>
+          </p:cNvPr>
+          <p:cNvSpPr txBox="1"/>
+          <p:nvPr/>
+        </p:nvSpPr>
+        <p:spPr>
+          <a:xfrm>
+            <a:off x="3211573" y="533986"/>
+            <a:ext cx="2922527" cy="318998"/>
+          </a:xfrm>
+          <a:prstGeom prst="rect">
+            <a:avLst/>
+          </a:prstGeom>
+          <a:noFill/>
+        </p:spPr>
+        <p:txBody>
+          <a:bodyPr wrap="square">
+            <a:spAutoFit/>
+          </a:bodyPr>
+          <a:lstStyle/>
+          <a:p>
+            <a:pPr marL="0" lvl="0" indent="0" algn="l" rtl="0">
+              <a:lnSpc>
+                <a:spcPct val="115000"/>
+              </a:lnSpc>
+              <a:spcBef>
+                <a:spcPts val="0"/>
+              </a:spcBef>
+              <a:spcAft>
+                <a:spcPts val="0"/>
+              </a:spcAft>
+              <a:buNone/>
+            </a:pPr>
+            <a:r>
+              <a:rPr lang="en-US" sz="1400" dirty="0">
+                <a:solidFill>
+                  <a:schemeClr val="dk2"/>
+                </a:solidFill>
+              </a:rPr>
+              <a:t>Normalized frequency distribution:</a:t>
+            </a:r>
+          </a:p>
+        </p:txBody>
+      </p:sp>
+      <p:sp>
+        <p:nvSpPr>
+          <p:cNvPr id="14" name="TextBox 13">
+            <a:extLst>
+              <a:ext uri="{FF2B5EF4-FFF2-40B4-BE49-F238E27FC236}">
+                <a16:creationId xmlns:a16="http://schemas.microsoft.com/office/drawing/2014/main" id="{9C8EB0D8-B9B9-4221-9553-1F36236554B8}"/>
+              </a:ext>
+            </a:extLst>
+          </p:cNvPr>
+          <p:cNvSpPr txBox="1"/>
+          <p:nvPr/>
+        </p:nvSpPr>
+        <p:spPr>
+          <a:xfrm>
+            <a:off x="5562600" y="4010488"/>
+            <a:ext cx="3248025" cy="307777"/>
+          </a:xfrm>
+          <a:prstGeom prst="rect">
+            <a:avLst/>
+          </a:prstGeom>
+          <a:noFill/>
+        </p:spPr>
+        <p:txBody>
+          <a:bodyPr wrap="square">
+            <a:spAutoFit/>
+          </a:bodyPr>
+          <a:lstStyle/>
+          <a:p>
+            <a:r>
+              <a:rPr lang="en-US" b="0" i="0" dirty="0">
+                <a:solidFill>
+                  <a:srgbClr val="333333"/>
+                </a:solidFill>
+                <a:effectLst/>
+                <a:latin typeface="Helvetica Neue"/>
+              </a:rPr>
+              <a:t>number of residues in macromolecules</a:t>
+            </a:r>
+            <a:endParaRPr lang="en-US" dirty="0"/>
+          </a:p>
+        </p:txBody>
+      </p:sp>
+      <p:sp>
+        <p:nvSpPr>
+          <p:cNvPr id="15" name="Google Shape;96;p18">
+            <a:extLst>
+              <a:ext uri="{FF2B5EF4-FFF2-40B4-BE49-F238E27FC236}">
+                <a16:creationId xmlns:a16="http://schemas.microsoft.com/office/drawing/2014/main" id="{A1491A79-EA87-4D0A-9C2A-FD71E734641A}"/>
+              </a:ext>
+            </a:extLst>
+          </p:cNvPr>
+          <p:cNvSpPr txBox="1">
+            <a:spLocks noGrp="1"/>
+          </p:cNvSpPr>
+          <p:nvPr>
+            <p:ph type="title"/>
+          </p:nvPr>
+        </p:nvSpPr>
+        <p:spPr>
+          <a:xfrm>
+            <a:off x="311700" y="0"/>
+            <a:ext cx="4260300" cy="572700"/>
+          </a:xfrm>
+          <a:prstGeom prst="rect">
+            <a:avLst/>
+          </a:prstGeom>
+        </p:spPr>
+        <p:txBody>
+          <a:bodyPr spcFirstLastPara="1" wrap="square" lIns="91425" tIns="91425" rIns="91425" bIns="91425" anchor="t" anchorCtr="0">
+            <a:normAutofit fontScale="90000"/>
+          </a:bodyPr>
+          <a:lstStyle/>
+          <a:p>
+            <a:pPr marL="0" lvl="0" indent="0" algn="l" rtl="0">
+              <a:spcBef>
+                <a:spcPts val="0"/>
+              </a:spcBef>
+              <a:spcAft>
+                <a:spcPts val="0"/>
+              </a:spcAft>
+              <a:buNone/>
+            </a:pPr>
+            <a:r>
+              <a:rPr lang="en-GB" dirty="0"/>
+              <a:t>Exploratory Data Analysis</a:t>
+            </a:r>
+            <a:endParaRPr dirty="0"/>
+          </a:p>
+        </p:txBody>
+      </p:sp>
+      <p:sp>
+        <p:nvSpPr>
+          <p:cNvPr id="17" name="TextBox 16">
+            <a:extLst>
+              <a:ext uri="{FF2B5EF4-FFF2-40B4-BE49-F238E27FC236}">
+                <a16:creationId xmlns:a16="http://schemas.microsoft.com/office/drawing/2014/main" id="{5820E55C-3AA8-47BB-8A2A-C987A8EC93F0}"/>
+              </a:ext>
+            </a:extLst>
+          </p:cNvPr>
+          <p:cNvSpPr txBox="1"/>
+          <p:nvPr/>
+        </p:nvSpPr>
+        <p:spPr>
+          <a:xfrm>
+            <a:off x="4773673" y="4404836"/>
+            <a:ext cx="4370327" cy="523220"/>
+          </a:xfrm>
+          <a:prstGeom prst="rect">
+            <a:avLst/>
+          </a:prstGeom>
+          <a:noFill/>
+        </p:spPr>
+        <p:txBody>
+          <a:bodyPr wrap="square">
+            <a:spAutoFit/>
+          </a:bodyPr>
+          <a:lstStyle/>
+          <a:p>
+            <a:r>
+              <a:rPr lang="en-US" i="0" dirty="0">
+                <a:solidFill>
+                  <a:srgbClr val="202124"/>
+                </a:solidFill>
+                <a:effectLst/>
+                <a:latin typeface="Roboto" panose="02000000000000000000" pitchFamily="2" charset="0"/>
+              </a:rPr>
+              <a:t>a residue refers to a single unit that makes up an amino acid in a protein</a:t>
+            </a:r>
+            <a:endParaRPr lang="en-US" dirty="0"/>
+          </a:p>
+        </p:txBody>
+      </p:sp>
+    </p:spTree>
+    <p:extLst>
+      <p:ext uri="{BB962C8B-B14F-4D97-AF65-F5344CB8AC3E}">
+        <p14:creationId xmlns:p14="http://schemas.microsoft.com/office/powerpoint/2010/main" val="3640648227"/>
+      </p:ext>
+    </p:extLst>
+  </p:cSld>
+  <p:clrMapOvr>
+    <a:masterClrMapping/>
+  </p:clrMapOvr>
+</p:sld>
+</file>
+
+<file path=ppt/slides/slide7.xml><?xml version="1.0" encoding="utf-8"?>
 <p:sld xmlns:a="http://schemas.openxmlformats.org/drawingml/2006/main" xmlns:r="http://schemas.openxmlformats.org/officeDocument/2006/relationships" xmlns:p="http://schemas.openxmlformats.org/presentationml/2006/main">
   <p:cSld>
     <p:spTree>
@@ -9065,10 +11239,182 @@
               <a:buNone/>
             </a:pPr>
             <a:r>
-              <a:rPr lang="en-GB"/>
+              <a:rPr lang="en-GB" dirty="0"/>
               <a:t>Exploratory Data Analysis</a:t>
             </a:r>
-            <a:endParaRPr/>
+            <a:endParaRPr dirty="0"/>
+          </a:p>
+        </p:txBody>
+      </p:sp>
+      <p:sp>
+        <p:nvSpPr>
+          <p:cNvPr id="6" name="TextBox 5">
+            <a:extLst>
+              <a:ext uri="{FF2B5EF4-FFF2-40B4-BE49-F238E27FC236}">
+                <a16:creationId xmlns:a16="http://schemas.microsoft.com/office/drawing/2014/main" id="{2A62450C-23DB-467D-AA05-962378DBF8D5}"/>
+              </a:ext>
+            </a:extLst>
+          </p:cNvPr>
+          <p:cNvSpPr txBox="1"/>
+          <p:nvPr/>
+        </p:nvSpPr>
+        <p:spPr>
+          <a:xfrm>
+            <a:off x="1233518" y="4024493"/>
+            <a:ext cx="1881157" cy="738664"/>
+          </a:xfrm>
+          <a:prstGeom prst="rect">
+            <a:avLst/>
+          </a:prstGeom>
+          <a:noFill/>
+        </p:spPr>
+        <p:txBody>
+          <a:bodyPr wrap="square">
+            <a:spAutoFit/>
+          </a:bodyPr>
+          <a:lstStyle/>
+          <a:p>
+            <a:r>
+              <a:rPr lang="en-US" b="0" i="0" dirty="0">
+                <a:solidFill>
+                  <a:srgbClr val="333333"/>
+                </a:solidFill>
+                <a:effectLst/>
+                <a:latin typeface="Helvetica Neue"/>
+              </a:rPr>
+              <a:t>Acidic: </a:t>
+            </a:r>
+            <a:r>
+              <a:rPr lang="en-US" b="0" i="0" dirty="0" err="1">
+                <a:solidFill>
+                  <a:srgbClr val="333333"/>
+                </a:solidFill>
+                <a:effectLst/>
+                <a:latin typeface="Helvetica Neue"/>
+              </a:rPr>
+              <a:t>PhValue</a:t>
+            </a:r>
+            <a:r>
+              <a:rPr lang="en-US" b="0" i="0" dirty="0">
+                <a:solidFill>
+                  <a:srgbClr val="333333"/>
+                </a:solidFill>
+                <a:effectLst/>
+                <a:latin typeface="Helvetica Neue"/>
+              </a:rPr>
+              <a:t> &lt; 7</a:t>
+            </a:r>
+          </a:p>
+          <a:p>
+            <a:r>
+              <a:rPr lang="en-US" b="0" i="0" dirty="0">
+                <a:solidFill>
+                  <a:srgbClr val="333333"/>
+                </a:solidFill>
+                <a:effectLst/>
+                <a:latin typeface="Helvetica Neue"/>
+              </a:rPr>
+              <a:t>Ba</a:t>
+            </a:r>
+            <a:r>
+              <a:rPr lang="en-US" dirty="0">
+                <a:solidFill>
+                  <a:srgbClr val="333333"/>
+                </a:solidFill>
+                <a:latin typeface="Helvetica Neue"/>
+              </a:rPr>
+              <a:t>sic: </a:t>
+            </a:r>
+            <a:r>
+              <a:rPr lang="en-US" dirty="0" err="1">
+                <a:solidFill>
+                  <a:srgbClr val="333333"/>
+                </a:solidFill>
+                <a:latin typeface="Helvetica Neue"/>
+              </a:rPr>
+              <a:t>PhValue</a:t>
+            </a:r>
+            <a:r>
+              <a:rPr lang="en-US" dirty="0">
+                <a:solidFill>
+                  <a:srgbClr val="333333"/>
+                </a:solidFill>
+                <a:latin typeface="Helvetica Neue"/>
+              </a:rPr>
+              <a:t> &gt; 7</a:t>
+            </a:r>
+          </a:p>
+          <a:p>
+            <a:r>
+              <a:rPr lang="en-US" dirty="0">
+                <a:solidFill>
+                  <a:srgbClr val="333333"/>
+                </a:solidFill>
+                <a:latin typeface="Helvetica Neue"/>
+              </a:rPr>
+              <a:t>Neutral: </a:t>
+            </a:r>
+            <a:r>
+              <a:rPr lang="en-US" dirty="0" err="1">
+                <a:solidFill>
+                  <a:srgbClr val="333333"/>
+                </a:solidFill>
+                <a:latin typeface="Helvetica Neue"/>
+              </a:rPr>
+              <a:t>PhValue</a:t>
+            </a:r>
+            <a:r>
+              <a:rPr lang="en-US" dirty="0">
+                <a:solidFill>
+                  <a:srgbClr val="333333"/>
+                </a:solidFill>
+                <a:latin typeface="Helvetica Neue"/>
+              </a:rPr>
+              <a:t> = 7</a:t>
+            </a:r>
+            <a:endParaRPr lang="en-US" dirty="0"/>
+          </a:p>
+        </p:txBody>
+      </p:sp>
+      <p:sp>
+        <p:nvSpPr>
+          <p:cNvPr id="8" name="TextBox 7">
+            <a:extLst>
+              <a:ext uri="{FF2B5EF4-FFF2-40B4-BE49-F238E27FC236}">
+                <a16:creationId xmlns:a16="http://schemas.microsoft.com/office/drawing/2014/main" id="{ED998E50-357D-4291-ADB0-044C1C74F338}"/>
+              </a:ext>
+            </a:extLst>
+          </p:cNvPr>
+          <p:cNvSpPr txBox="1"/>
+          <p:nvPr/>
+        </p:nvSpPr>
+        <p:spPr>
+          <a:xfrm>
+            <a:off x="4724400" y="398273"/>
+            <a:ext cx="4419600" cy="307777"/>
+          </a:xfrm>
+          <a:prstGeom prst="rect">
+            <a:avLst/>
+          </a:prstGeom>
+          <a:noFill/>
+        </p:spPr>
+        <p:txBody>
+          <a:bodyPr wrap="square">
+            <a:spAutoFit/>
+          </a:bodyPr>
+          <a:lstStyle/>
+          <a:p>
+            <a:r>
+              <a:rPr lang="en-US" b="0" i="0" dirty="0">
+                <a:solidFill>
+                  <a:srgbClr val="333333"/>
+                </a:solidFill>
+                <a:effectLst/>
+                <a:latin typeface="Helvetica Neue"/>
+              </a:rPr>
+              <a:t>Features correlation with the classes label</a:t>
+            </a:r>
+            <a:endParaRPr lang="en-US" dirty="0"/>
           </a:p>
         </p:txBody>
       </p:sp>
@@ -9080,7 +11426,7 @@
 </p:sld>
 </file>
 
-<file path=ppt/slides/slide7.xml><?xml version="1.0" encoding="utf-8"?>
+<file path=ppt/slides/slide8.xml><?xml version="1.0" encoding="utf-8"?>
 <p:sld xmlns:a="http://schemas.openxmlformats.org/drawingml/2006/main" xmlns:r="http://schemas.openxmlformats.org/officeDocument/2006/relationships" xmlns:p="http://schemas.openxmlformats.org/presentationml/2006/main">
   <p:cSld>
     <p:spTree>
@@ -9110,7 +11456,7 @@
         <p:spPr>
           <a:xfrm>
             <a:off x="311700" y="75400"/>
-            <a:ext cx="3911700" cy="572700"/>
+            <a:ext cx="5327100" cy="572700"/>
           </a:xfrm>
           <a:prstGeom prst="rect">
             <a:avLst/>
@@ -9132,10 +11478,10 @@
               <a:buNone/>
             </a:pPr>
             <a:r>
-              <a:rPr lang="en-GB"/>
-              <a:t>Machine Learning Models</a:t>
+              <a:rPr lang="en-GB" dirty="0"/>
+              <a:t>Part I: Machine Learning Models</a:t>
             </a:r>
-            <a:endParaRPr/>
+            <a:endParaRPr dirty="0"/>
           </a:p>
         </p:txBody>
       </p:sp>
@@ -9146,13 +11492,13 @@
           <p:nvPr>
             <p:extLst>
               <p:ext uri="{D42A27DB-BD31-4B8C-83A1-F6EECF244321}">
-                <p14:modId xmlns:p14="http://schemas.microsoft.com/office/powerpoint/2010/main" val="761580602"/>
+                <p14:modId xmlns:p14="http://schemas.microsoft.com/office/powerpoint/2010/main" val="1438337011"/>
               </p:ext>
             </p:extLst>
           </p:nvPr>
         </p:nvGraphicFramePr>
         <p:xfrm>
-          <a:off x="311700" y="1750300"/>
+          <a:off x="1549950" y="2571750"/>
           <a:ext cx="5791200" cy="1584840"/>
         </p:xfrm>
         <a:graphic>
@@ -9330,10 +11676,10 @@
                         <a:buNone/>
                       </a:pPr>
                       <a:r>
-                        <a:rPr lang="en-GB"/>
+                        <a:rPr lang="en-GB" dirty="0"/>
                         <a:t>0.43</a:t>
                       </a:r>
-                      <a:endParaRPr/>
+                      <a:endParaRPr dirty="0"/>
                     </a:p>
                   </a:txBody>
                   <a:tcPr marL="91425" marR="91425" marT="91425" marB="91425"/>
@@ -9353,10 +11699,10 @@
                         <a:buNone/>
                       </a:pPr>
                       <a:r>
-                        <a:rPr lang="en-GB"/>
+                        <a:rPr lang="en-GB" dirty="0"/>
                         <a:t>0.43</a:t>
                       </a:r>
-                      <a:endParaRPr/>
+                      <a:endParaRPr dirty="0"/>
                     </a:p>
                   </a:txBody>
                   <a:tcPr marL="91425" marR="91425" marT="91425" marB="91425"/>
@@ -9600,8 +11946,8 @@
         </p:nvSpPr>
         <p:spPr>
           <a:xfrm>
-            <a:off x="311700" y="648100"/>
-            <a:ext cx="6216000" cy="1102200"/>
+            <a:off x="1337549" y="886224"/>
+            <a:ext cx="6349125" cy="1283398"/>
           </a:xfrm>
           <a:prstGeom prst="rect">
             <a:avLst/>
@@ -9630,14 +11976,14 @@
               <a:buNone/>
             </a:pPr>
             <a:r>
-              <a:rPr lang="en-GB" sz="1200">
+              <a:rPr lang="en-GB" sz="1200" dirty="0">
                 <a:solidFill>
                   <a:schemeClr val="dk2"/>
                 </a:solidFill>
               </a:rPr>
               <a:t>Three ML algorithms (Random Forest, Decision Tree, and KNN) are trained and tested.</a:t>
             </a:r>
-            <a:endParaRPr sz="1200">
+            <a:endParaRPr sz="1200" dirty="0">
               <a:solidFill>
                 <a:schemeClr val="dk2"/>
               </a:solidFill>
@@ -9657,14 +12003,14 @@
               <a:buNone/>
             </a:pPr>
             <a:r>
-              <a:rPr lang="en-GB" sz="1200">
+              <a:rPr lang="en-GB" sz="1200" dirty="0">
                 <a:solidFill>
                   <a:schemeClr val="dk2"/>
                 </a:solidFill>
               </a:rPr>
               <a:t>75% data are used to train the model and the remaining 25% are tested</a:t>
             </a:r>
-            <a:endParaRPr sz="1200">
+            <a:endParaRPr sz="1200" dirty="0">
               <a:solidFill>
                 <a:schemeClr val="dk2"/>
               </a:solidFill>
@@ -9684,990 +12030,18 @@
               <a:buNone/>
             </a:pPr>
             <a:r>
-              <a:rPr lang="en-GB" sz="1200">
+              <a:rPr lang="en-GB" sz="1200" dirty="0">
                 <a:solidFill>
                   <a:schemeClr val="dk2"/>
                 </a:solidFill>
               </a:rPr>
               <a:t>Hyperparameters are tuned in each model</a:t>
             </a:r>
-            <a:endParaRPr sz="1200">
+            <a:endParaRPr sz="1200" dirty="0">
               <a:solidFill>
                 <a:schemeClr val="dk2"/>
               </a:solidFill>
             </a:endParaRPr>
-          </a:p>
-        </p:txBody>
-      </p:sp>
-    </p:spTree>
-  </p:cSld>
-  <p:clrMapOvr>
-    <a:masterClrMapping/>
-  </p:clrMapOvr>
-</p:sld>
-</file>
-
-<file path=ppt/slides/slide8.xml><?xml version="1.0" encoding="utf-8"?>
-<p:sld xmlns:a="http://schemas.openxmlformats.org/drawingml/2006/main" xmlns:r="http://schemas.openxmlformats.org/officeDocument/2006/relationships" xmlns:p="http://schemas.openxmlformats.org/presentationml/2006/main">
-  <p:cSld>
-    <p:spTree>
-      <p:nvGrpSpPr>
-        <p:cNvPr id="1" name="Shape 107"/>
-        <p:cNvGrpSpPr/>
-        <p:nvPr/>
-      </p:nvGrpSpPr>
-      <p:grpSpPr>
-        <a:xfrm>
-          <a:off x="0" y="0"/>
-          <a:ext cx="0" cy="0"/>
-          <a:chOff x="0" y="0"/>
-          <a:chExt cx="0" cy="0"/>
-        </a:xfrm>
-      </p:grpSpPr>
-      <p:sp>
-        <p:nvSpPr>
-          <p:cNvPr id="108" name="Google Shape;108;p20"/>
-          <p:cNvSpPr txBox="1">
-            <a:spLocks noGrp="1"/>
-          </p:cNvSpPr>
-          <p:nvPr>
-            <p:ph type="title"/>
-          </p:nvPr>
-        </p:nvSpPr>
-        <p:spPr>
-          <a:xfrm>
-            <a:off x="311700" y="98975"/>
-            <a:ext cx="8520600" cy="572700"/>
-          </a:xfrm>
-          <a:prstGeom prst="rect">
-            <a:avLst/>
-          </a:prstGeom>
-        </p:spPr>
-        <p:txBody>
-          <a:bodyPr spcFirstLastPara="1" wrap="square" lIns="91425" tIns="91425" rIns="91425" bIns="91425" anchor="t" anchorCtr="0">
-            <a:normAutofit fontScale="90000"/>
-          </a:bodyPr>
-          <a:lstStyle/>
-          <a:p>
-            <a:pPr marL="0" lvl="0" indent="0" algn="l" rtl="0">
-              <a:spcBef>
-                <a:spcPts val="0"/>
-              </a:spcBef>
-              <a:spcAft>
-                <a:spcPts val="0"/>
-              </a:spcAft>
-              <a:buNone/>
-            </a:pPr>
-            <a:r>
-              <a:rPr lang="en-GB"/>
-              <a:t>Random Forest</a:t>
-            </a:r>
-            <a:endParaRPr/>
-          </a:p>
-        </p:txBody>
-      </p:sp>
-      <p:pic>
-        <p:nvPicPr>
-          <p:cNvPr id="109" name="Google Shape;109;p20"/>
-          <p:cNvPicPr preferRelativeResize="0"/>
-          <p:nvPr/>
-        </p:nvPicPr>
-        <p:blipFill>
-          <a:blip r:embed="rId3">
-            <a:alphaModFix/>
-          </a:blip>
-          <a:stretch>
-            <a:fillRect/>
-          </a:stretch>
-        </p:blipFill>
-        <p:spPr>
-          <a:xfrm>
-            <a:off x="168125" y="1634150"/>
-            <a:ext cx="4196775" cy="2463350"/>
-          </a:xfrm>
-          <a:prstGeom prst="rect">
-            <a:avLst/>
-          </a:prstGeom>
-          <a:noFill/>
-          <a:ln>
-            <a:noFill/>
-          </a:ln>
-        </p:spPr>
-      </p:pic>
-      <p:sp>
-        <p:nvSpPr>
-          <p:cNvPr id="111" name="Google Shape;111;p20"/>
-          <p:cNvSpPr txBox="1"/>
-          <p:nvPr/>
-        </p:nvSpPr>
-        <p:spPr>
-          <a:xfrm>
-            <a:off x="1607825" y="1019150"/>
-            <a:ext cx="1745400" cy="384900"/>
-          </a:xfrm>
-          <a:prstGeom prst="rect">
-            <a:avLst/>
-          </a:prstGeom>
-          <a:noFill/>
-          <a:ln>
-            <a:noFill/>
-          </a:ln>
-        </p:spPr>
-        <p:txBody>
-          <a:bodyPr spcFirstLastPara="1" wrap="square" lIns="91425" tIns="91425" rIns="91425" bIns="91425" anchor="t" anchorCtr="0">
-            <a:spAutoFit/>
-          </a:bodyPr>
-          <a:lstStyle/>
-          <a:p>
-            <a:pPr marL="0" lvl="0" indent="0" algn="l" rtl="0">
-              <a:lnSpc>
-                <a:spcPct val="115000"/>
-              </a:lnSpc>
-              <a:spcBef>
-                <a:spcPts val="0"/>
-              </a:spcBef>
-              <a:spcAft>
-                <a:spcPts val="1200"/>
-              </a:spcAft>
-              <a:buNone/>
-            </a:pPr>
-            <a:r>
-              <a:rPr lang="en-GB" sz="1300" b="1">
-                <a:solidFill>
-                  <a:schemeClr val="dk2"/>
-                </a:solidFill>
-              </a:rPr>
-              <a:t>Feature Importance</a:t>
-            </a:r>
-            <a:endParaRPr sz="1300" b="1"/>
-          </a:p>
-        </p:txBody>
-      </p:sp>
-      <p:pic>
-        <p:nvPicPr>
-          <p:cNvPr id="3" name="Picture 2">
-            <a:extLst>
-              <a:ext uri="{FF2B5EF4-FFF2-40B4-BE49-F238E27FC236}">
-                <a16:creationId xmlns:a16="http://schemas.microsoft.com/office/drawing/2014/main" id="{F178C371-E7D6-4E05-88FE-232E8321E338}"/>
-              </a:ext>
-            </a:extLst>
-          </p:cNvPr>
-          <p:cNvPicPr>
-            <a:picLocks noChangeAspect="1"/>
-          </p:cNvPicPr>
-          <p:nvPr/>
-        </p:nvPicPr>
-        <p:blipFill>
-          <a:blip r:embed="rId4"/>
-          <a:stretch>
-            <a:fillRect/>
-          </a:stretch>
-        </p:blipFill>
-        <p:spPr>
-          <a:xfrm>
-            <a:off x="4509476" y="278625"/>
-            <a:ext cx="4572000" cy="4765900"/>
-          </a:xfrm>
-          <a:prstGeom prst="rect">
-            <a:avLst/>
-          </a:prstGeom>
-        </p:spPr>
-      </p:pic>
-    </p:spTree>
-  </p:cSld>
-  <p:clrMapOvr>
-    <a:masterClrMapping/>
-  </p:clrMapOvr>
-</p:sld>
-</file>
-
-<file path=ppt/slides/slide9.xml><?xml version="1.0" encoding="utf-8"?>
-<p:sld xmlns:a="http://schemas.openxmlformats.org/drawingml/2006/main" xmlns:r="http://schemas.openxmlformats.org/officeDocument/2006/relationships" xmlns:p="http://schemas.openxmlformats.org/presentationml/2006/main">
-  <p:cSld>
-    <p:spTree>
-      <p:nvGrpSpPr>
-        <p:cNvPr id="1" name="Shape 115"/>
-        <p:cNvGrpSpPr/>
-        <p:nvPr/>
-      </p:nvGrpSpPr>
-      <p:grpSpPr>
-        <a:xfrm>
-          <a:off x="0" y="0"/>
-          <a:ext cx="0" cy="0"/>
-          <a:chOff x="0" y="0"/>
-          <a:chExt cx="0" cy="0"/>
-        </a:xfrm>
-      </p:grpSpPr>
-      <p:sp>
-        <p:nvSpPr>
-          <p:cNvPr id="116" name="Google Shape;116;p21"/>
-          <p:cNvSpPr txBox="1">
-            <a:spLocks noGrp="1"/>
-          </p:cNvSpPr>
-          <p:nvPr>
-            <p:ph type="title"/>
-          </p:nvPr>
-        </p:nvSpPr>
-        <p:spPr>
-          <a:xfrm>
-            <a:off x="0" y="1925"/>
-            <a:ext cx="5657700" cy="572700"/>
-          </a:xfrm>
-          <a:prstGeom prst="rect">
-            <a:avLst/>
-          </a:prstGeom>
-        </p:spPr>
-        <p:txBody>
-          <a:bodyPr spcFirstLastPara="1" wrap="square" lIns="91425" tIns="91425" rIns="91425" bIns="91425" anchor="t" anchorCtr="0">
-            <a:normAutofit fontScale="90000"/>
-          </a:bodyPr>
-          <a:lstStyle/>
-          <a:p>
-            <a:pPr marL="0" lvl="0" indent="0" algn="l" rtl="0">
-              <a:spcBef>
-                <a:spcPts val="0"/>
-              </a:spcBef>
-              <a:spcAft>
-                <a:spcPts val="0"/>
-              </a:spcAft>
-              <a:buNone/>
-            </a:pPr>
-            <a:r>
-              <a:rPr lang="en-GB"/>
-              <a:t>Brief introduction of Sequential Model</a:t>
-            </a:r>
-            <a:endParaRPr/>
-          </a:p>
-        </p:txBody>
-      </p:sp>
-      <p:pic>
-        <p:nvPicPr>
-          <p:cNvPr id="1026" name="Picture 2">
-            <a:extLst>
-              <a:ext uri="{FF2B5EF4-FFF2-40B4-BE49-F238E27FC236}">
-                <a16:creationId xmlns:a16="http://schemas.microsoft.com/office/drawing/2014/main" id="{075B655B-38E3-47D5-9CAE-0E078F5BEAC1}"/>
-              </a:ext>
-            </a:extLst>
-          </p:cNvPr>
-          <p:cNvPicPr>
-            <a:picLocks noChangeAspect="1" noChangeArrowheads="1"/>
-          </p:cNvPicPr>
-          <p:nvPr/>
-        </p:nvPicPr>
-        <p:blipFill>
-          <a:blip r:embed="rId3">
-            <a:extLst>
-              <a:ext uri="{28A0092B-C50C-407E-A947-70E740481C1C}">
-                <a14:useLocalDpi xmlns:a14="http://schemas.microsoft.com/office/drawing/2010/main" val="0"/>
-              </a:ext>
-            </a:extLst>
-          </a:blip>
-          <a:srcRect/>
-          <a:stretch>
-            <a:fillRect/>
-          </a:stretch>
-        </p:blipFill>
-        <p:spPr bwMode="auto">
-          <a:xfrm>
-            <a:off x="310661" y="1116399"/>
-            <a:ext cx="4159739" cy="1923786"/>
-          </a:xfrm>
-          <a:prstGeom prst="rect">
-            <a:avLst/>
-          </a:prstGeom>
-          <a:noFill/>
-          <a:extLst>
-            <a:ext uri="{909E8E84-426E-40DD-AFC4-6F175D3DCCD1}">
-              <a14:hiddenFill xmlns:a14="http://schemas.microsoft.com/office/drawing/2010/main">
-                <a:solidFill>
-                  <a:srgbClr val="FFFFFF"/>
-                </a:solidFill>
-              </a14:hiddenFill>
-            </a:ext>
-          </a:extLst>
-        </p:spPr>
-      </p:pic>
-      <p:sp>
-        <p:nvSpPr>
-          <p:cNvPr id="7" name="TextBox 6">
-            <a:extLst>
-              <a:ext uri="{FF2B5EF4-FFF2-40B4-BE49-F238E27FC236}">
-                <a16:creationId xmlns:a16="http://schemas.microsoft.com/office/drawing/2014/main" id="{7F3A6617-FA1F-43C2-9CBF-89C18A7D0CAD}"/>
-              </a:ext>
-            </a:extLst>
-          </p:cNvPr>
-          <p:cNvSpPr txBox="1"/>
-          <p:nvPr/>
-        </p:nvSpPr>
-        <p:spPr>
-          <a:xfrm>
-            <a:off x="37123" y="3389174"/>
-            <a:ext cx="4433277" cy="1754326"/>
-          </a:xfrm>
-          <a:prstGeom prst="rect">
-            <a:avLst/>
-          </a:prstGeom>
-          <a:noFill/>
-        </p:spPr>
-        <p:txBody>
-          <a:bodyPr wrap="square">
-            <a:spAutoFit/>
-          </a:bodyPr>
-          <a:lstStyle/>
-          <a:p>
-            <a:pPr marL="0" marR="0" lvl="0" indent="0" algn="l" defTabSz="914400" rtl="0" eaLnBrk="0" fontAlgn="base" latinLnBrk="0" hangingPunct="0">
-              <a:lnSpc>
-                <a:spcPct val="100000"/>
-              </a:lnSpc>
-              <a:spcBef>
-                <a:spcPct val="0"/>
-              </a:spcBef>
-              <a:spcAft>
-                <a:spcPct val="0"/>
-              </a:spcAft>
-              <a:buClrTx/>
-              <a:buSzTx/>
-              <a:buFontTx/>
-              <a:buNone/>
-              <a:tabLst/>
-            </a:pPr>
-            <a:r>
-              <a:rPr kumimoji="0" lang="en-US" altLang="en-US" sz="1200" b="0" i="0" u="none" strike="noStrike" cap="none" normalizeH="0" baseline="0" dirty="0">
-                <a:ln>
-                  <a:noFill/>
-                </a:ln>
-                <a:solidFill>
-                  <a:srgbClr val="000000"/>
-                </a:solidFill>
-                <a:effectLst/>
-                <a:latin typeface="Times New Roman" panose="02020603050405020304" pitchFamily="18" charset="0"/>
-                <a:cs typeface="Times New Roman" panose="02020603050405020304" pitchFamily="18" charset="0"/>
-              </a:rPr>
-              <a:t>In other neural networks, all the inputs are independent of each other. But in RNN, all the inputs are related to each other.</a:t>
-            </a:r>
-          </a:p>
-          <a:p>
-            <a:pPr marL="0" marR="0" lvl="0" indent="0" algn="l" defTabSz="914400" rtl="0" eaLnBrk="0" fontAlgn="base" latinLnBrk="0" hangingPunct="0">
-              <a:lnSpc>
-                <a:spcPct val="100000"/>
-              </a:lnSpc>
-              <a:spcBef>
-                <a:spcPct val="0"/>
-              </a:spcBef>
-              <a:spcAft>
-                <a:spcPct val="0"/>
-              </a:spcAft>
-              <a:buClrTx/>
-              <a:buSzTx/>
-              <a:buFontTx/>
-              <a:buNone/>
-              <a:tabLst/>
-            </a:pPr>
-            <a:endParaRPr kumimoji="0" lang="en-US" altLang="en-US" sz="1200" b="0" i="0" u="none" strike="noStrike" cap="none" normalizeH="0" baseline="0" dirty="0">
-              <a:ln>
-                <a:noFill/>
-              </a:ln>
-              <a:solidFill>
-                <a:schemeClr val="tx1"/>
-              </a:solidFill>
-              <a:effectLst/>
-              <a:latin typeface="Times New Roman" panose="02020603050405020304" pitchFamily="18" charset="0"/>
-              <a:cs typeface="Times New Roman" panose="02020603050405020304" pitchFamily="18" charset="0"/>
-            </a:endParaRPr>
-          </a:p>
-          <a:p>
-            <a:pPr marL="0" marR="0" lvl="0" indent="0" algn="l" defTabSz="914400" rtl="0" eaLnBrk="0" fontAlgn="base" latinLnBrk="0" hangingPunct="0">
-              <a:lnSpc>
-                <a:spcPct val="100000"/>
-              </a:lnSpc>
-              <a:spcBef>
-                <a:spcPct val="0"/>
-              </a:spcBef>
-              <a:spcAft>
-                <a:spcPct val="0"/>
-              </a:spcAft>
-              <a:buClrTx/>
-              <a:buSzTx/>
-              <a:buFontTx/>
-              <a:buNone/>
-              <a:tabLst/>
-            </a:pPr>
-            <a:r>
-              <a:rPr kumimoji="0" lang="en-US" altLang="en-US" sz="1200" b="0" i="0" u="none" strike="noStrike" cap="none" normalizeH="0" baseline="0" dirty="0">
-                <a:ln>
-                  <a:noFill/>
-                </a:ln>
-                <a:solidFill>
-                  <a:srgbClr val="000000"/>
-                </a:solidFill>
-                <a:effectLst/>
-                <a:latin typeface="Times New Roman" panose="02020603050405020304" pitchFamily="18" charset="0"/>
-                <a:cs typeface="Times New Roman" panose="02020603050405020304" pitchFamily="18" charset="0"/>
-              </a:rPr>
-              <a:t>An RNN can be thought of as multiple copies of the same network, each passing a message to a successor.</a:t>
-            </a:r>
-            <a:endParaRPr kumimoji="0" lang="en-US" altLang="en-US" sz="1200" b="0" i="0" u="none" strike="noStrike" cap="none" normalizeH="0" baseline="0" dirty="0">
-              <a:ln>
-                <a:noFill/>
-              </a:ln>
-              <a:solidFill>
-                <a:schemeClr val="tx1"/>
-              </a:solidFill>
-              <a:effectLst/>
-              <a:latin typeface="Times New Roman" panose="02020603050405020304" pitchFamily="18" charset="0"/>
-              <a:cs typeface="Times New Roman" panose="02020603050405020304" pitchFamily="18" charset="0"/>
-            </a:endParaRPr>
-          </a:p>
-          <a:p>
-            <a:pPr marL="0" marR="0" lvl="0" indent="0" algn="l" defTabSz="914400" rtl="0" eaLnBrk="0" fontAlgn="base" latinLnBrk="0" hangingPunct="0">
-              <a:lnSpc>
-                <a:spcPct val="100000"/>
-              </a:lnSpc>
-              <a:spcBef>
-                <a:spcPct val="0"/>
-              </a:spcBef>
-              <a:spcAft>
-                <a:spcPct val="0"/>
-              </a:spcAft>
-              <a:buClrTx/>
-              <a:buSzTx/>
-              <a:buFontTx/>
-              <a:buNone/>
-              <a:tabLst/>
-            </a:pPr>
-            <a:r>
-              <a:rPr kumimoji="0" lang="en-US" altLang="en-US" sz="1200" b="0" i="0" u="none" strike="noStrike" cap="none" normalizeH="0" baseline="0" dirty="0">
-                <a:ln>
-                  <a:noFill/>
-                </a:ln>
-                <a:solidFill>
-                  <a:srgbClr val="000000"/>
-                </a:solidFill>
-                <a:effectLst/>
-                <a:latin typeface="Times New Roman" panose="02020603050405020304" pitchFamily="18" charset="0"/>
-                <a:cs typeface="Times New Roman" panose="02020603050405020304" pitchFamily="18" charset="0"/>
-              </a:rPr>
-              <a:t>RNNs can learn to use the past information.</a:t>
-            </a:r>
-          </a:p>
-          <a:p>
-            <a:pPr marL="0" marR="0" lvl="0" indent="0" algn="l" defTabSz="914400" rtl="0" eaLnBrk="0" fontAlgn="base" latinLnBrk="0" hangingPunct="0">
-              <a:lnSpc>
-                <a:spcPct val="100000"/>
-              </a:lnSpc>
-              <a:spcBef>
-                <a:spcPct val="0"/>
-              </a:spcBef>
-              <a:spcAft>
-                <a:spcPct val="0"/>
-              </a:spcAft>
-              <a:buClrTx/>
-              <a:buSzTx/>
-              <a:buFontTx/>
-              <a:buNone/>
-              <a:tabLst/>
-            </a:pPr>
-            <a:endParaRPr kumimoji="0" lang="en-US" altLang="en-US" sz="1200" b="0" i="0" u="none" strike="noStrike" cap="none" normalizeH="0" baseline="0" dirty="0">
-              <a:ln>
-                <a:noFill/>
-              </a:ln>
-              <a:solidFill>
-                <a:schemeClr val="tx1"/>
-              </a:solidFill>
-              <a:effectLst/>
-              <a:latin typeface="Times New Roman" panose="02020603050405020304" pitchFamily="18" charset="0"/>
-              <a:cs typeface="Times New Roman" panose="02020603050405020304" pitchFamily="18" charset="0"/>
-            </a:endParaRPr>
-          </a:p>
-          <a:p>
-            <a:pPr marL="0" marR="0" lvl="0" indent="0" algn="l" defTabSz="914400" rtl="0" eaLnBrk="0" fontAlgn="base" latinLnBrk="0" hangingPunct="0">
-              <a:lnSpc>
-                <a:spcPct val="100000"/>
-              </a:lnSpc>
-              <a:spcBef>
-                <a:spcPct val="0"/>
-              </a:spcBef>
-              <a:spcAft>
-                <a:spcPct val="0"/>
-              </a:spcAft>
-              <a:buClrTx/>
-              <a:buSzTx/>
-              <a:buFontTx/>
-              <a:buNone/>
-              <a:tabLst/>
-            </a:pPr>
-            <a:r>
-              <a:rPr kumimoji="0" lang="en-US" altLang="en-US" sz="1200" b="0" i="0" u="none" strike="noStrike" cap="none" normalizeH="0" baseline="0" dirty="0">
-                <a:ln>
-                  <a:noFill/>
-                </a:ln>
-                <a:solidFill>
-                  <a:srgbClr val="000000"/>
-                </a:solidFill>
-                <a:effectLst/>
-                <a:latin typeface="Times New Roman" panose="02020603050405020304" pitchFamily="18" charset="0"/>
-                <a:cs typeface="Times New Roman" panose="02020603050405020304" pitchFamily="18" charset="0"/>
-              </a:rPr>
-              <a:t>Unfortunately, as that gap grows, RNNs become unable to learn to connect the information.</a:t>
-            </a:r>
-            <a:endParaRPr kumimoji="0" lang="en-US" altLang="en-US" sz="1200" b="0" i="0" u="none" strike="noStrike" cap="none" normalizeH="0" baseline="0" dirty="0">
-              <a:ln>
-                <a:noFill/>
-              </a:ln>
-              <a:solidFill>
-                <a:schemeClr val="tx1"/>
-              </a:solidFill>
-              <a:effectLst/>
-              <a:latin typeface="Times New Roman" panose="02020603050405020304" pitchFamily="18" charset="0"/>
-              <a:cs typeface="Times New Roman" panose="02020603050405020304" pitchFamily="18" charset="0"/>
-            </a:endParaRPr>
-          </a:p>
-        </p:txBody>
-      </p:sp>
-      <p:sp>
-        <p:nvSpPr>
-          <p:cNvPr id="9" name="TextBox 8">
-            <a:extLst>
-              <a:ext uri="{FF2B5EF4-FFF2-40B4-BE49-F238E27FC236}">
-                <a16:creationId xmlns:a16="http://schemas.microsoft.com/office/drawing/2014/main" id="{9FF5DFE7-F102-4AAE-9744-9F458A5BC397}"/>
-              </a:ext>
-            </a:extLst>
-          </p:cNvPr>
-          <p:cNvSpPr txBox="1"/>
-          <p:nvPr/>
-        </p:nvSpPr>
-        <p:spPr>
-          <a:xfrm>
-            <a:off x="201246" y="483222"/>
-            <a:ext cx="2940539" cy="307777"/>
-          </a:xfrm>
-          <a:prstGeom prst="rect">
-            <a:avLst/>
-          </a:prstGeom>
-          <a:noFill/>
-        </p:spPr>
-        <p:txBody>
-          <a:bodyPr wrap="square">
-            <a:spAutoFit/>
-          </a:bodyPr>
-          <a:lstStyle/>
-          <a:p>
-            <a:pPr marL="0" marR="0" lvl="0" indent="0" algn="l" defTabSz="914400" rtl="0" eaLnBrk="0" fontAlgn="base" latinLnBrk="0" hangingPunct="0">
-              <a:lnSpc>
-                <a:spcPct val="100000"/>
-              </a:lnSpc>
-              <a:spcBef>
-                <a:spcPct val="0"/>
-              </a:spcBef>
-              <a:spcAft>
-                <a:spcPct val="0"/>
-              </a:spcAft>
-              <a:buClrTx/>
-              <a:buSzTx/>
-              <a:buFontTx/>
-              <a:buNone/>
-              <a:tabLst/>
-            </a:pPr>
-            <a:r>
-              <a:rPr kumimoji="0" lang="en-US" altLang="en-US" sz="1400" b="1" i="0" u="none" strike="noStrike" cap="none" normalizeH="0" baseline="0" dirty="0">
-                <a:ln>
-                  <a:noFill/>
-                </a:ln>
-                <a:solidFill>
-                  <a:srgbClr val="000000"/>
-                </a:solidFill>
-                <a:effectLst/>
-                <a:latin typeface="Times New Roman" panose="02020603050405020304" pitchFamily="18" charset="0"/>
-                <a:cs typeface="Times New Roman" panose="02020603050405020304" pitchFamily="18" charset="0"/>
-              </a:rPr>
-              <a:t>Recurring Neural Network (RNN)</a:t>
-            </a:r>
-          </a:p>
-        </p:txBody>
-      </p:sp>
-      <p:pic>
-        <p:nvPicPr>
-          <p:cNvPr id="8" name="Picture 7">
-            <a:extLst>
-              <a:ext uri="{FF2B5EF4-FFF2-40B4-BE49-F238E27FC236}">
-                <a16:creationId xmlns:a16="http://schemas.microsoft.com/office/drawing/2014/main" id="{194C5336-44DE-445A-A1E3-7239C3A53E64}"/>
-              </a:ext>
-            </a:extLst>
-          </p:cNvPr>
-          <p:cNvPicPr>
-            <a:picLocks noChangeAspect="1"/>
-          </p:cNvPicPr>
-          <p:nvPr/>
-        </p:nvPicPr>
-        <p:blipFill>
-          <a:blip r:embed="rId4"/>
-          <a:stretch>
-            <a:fillRect/>
-          </a:stretch>
-        </p:blipFill>
-        <p:spPr>
-          <a:xfrm>
-            <a:off x="310661" y="825430"/>
-            <a:ext cx="4042508" cy="2347370"/>
-          </a:xfrm>
-          <a:prstGeom prst="rect">
-            <a:avLst/>
-          </a:prstGeom>
-        </p:spPr>
-      </p:pic>
-      <p:pic>
-        <p:nvPicPr>
-          <p:cNvPr id="19" name="Picture 6">
-            <a:extLst>
-              <a:ext uri="{FF2B5EF4-FFF2-40B4-BE49-F238E27FC236}">
-                <a16:creationId xmlns:a16="http://schemas.microsoft.com/office/drawing/2014/main" id="{F29BDC0D-76F0-4B08-81FE-D429FA70769A}"/>
-              </a:ext>
-            </a:extLst>
-          </p:cNvPr>
-          <p:cNvPicPr>
-            <a:picLocks noChangeAspect="1" noChangeArrowheads="1"/>
-          </p:cNvPicPr>
-          <p:nvPr/>
-        </p:nvPicPr>
-        <p:blipFill>
-          <a:blip r:embed="rId5">
-            <a:extLst>
-              <a:ext uri="{28A0092B-C50C-407E-A947-70E740481C1C}">
-                <a14:useLocalDpi xmlns:a14="http://schemas.microsoft.com/office/drawing/2010/main" val="0"/>
-              </a:ext>
-            </a:extLst>
-          </a:blip>
-          <a:srcRect/>
-          <a:stretch>
-            <a:fillRect/>
-          </a:stretch>
-        </p:blipFill>
-        <p:spPr bwMode="auto">
-          <a:xfrm>
-            <a:off x="5035061" y="2952463"/>
-            <a:ext cx="3929823" cy="2133601"/>
-          </a:xfrm>
-          <a:prstGeom prst="rect">
-            <a:avLst/>
-          </a:prstGeom>
-          <a:noFill/>
-          <a:extLst>
-            <a:ext uri="{909E8E84-426E-40DD-AFC4-6F175D3DCCD1}">
-              <a14:hiddenFill xmlns:a14="http://schemas.microsoft.com/office/drawing/2010/main">
-                <a:solidFill>
-                  <a:srgbClr val="FFFFFF"/>
-                </a:solidFill>
-              </a14:hiddenFill>
-            </a:ext>
-          </a:extLst>
-        </p:spPr>
-      </p:pic>
-      <p:sp>
-        <p:nvSpPr>
-          <p:cNvPr id="21" name="TextBox 20">
-            <a:extLst>
-              <a:ext uri="{FF2B5EF4-FFF2-40B4-BE49-F238E27FC236}">
-                <a16:creationId xmlns:a16="http://schemas.microsoft.com/office/drawing/2014/main" id="{FFD7F359-0C06-4AA4-8772-9B6F2B174333}"/>
-              </a:ext>
-            </a:extLst>
-          </p:cNvPr>
-          <p:cNvSpPr txBox="1"/>
-          <p:nvPr/>
-        </p:nvSpPr>
-        <p:spPr>
-          <a:xfrm>
-            <a:off x="5152292" y="597932"/>
-            <a:ext cx="3991708" cy="2492990"/>
-          </a:xfrm>
-          <a:prstGeom prst="rect">
-            <a:avLst/>
-          </a:prstGeom>
-          <a:noFill/>
-        </p:spPr>
-        <p:txBody>
-          <a:bodyPr wrap="square">
-            <a:spAutoFit/>
-          </a:bodyPr>
-          <a:lstStyle/>
-          <a:p>
-            <a:pPr marL="0" marR="0" lvl="0" indent="0" algn="l" defTabSz="914400" rtl="0" eaLnBrk="0" fontAlgn="base" latinLnBrk="0" hangingPunct="0">
-              <a:lnSpc>
-                <a:spcPct val="100000"/>
-              </a:lnSpc>
-              <a:spcBef>
-                <a:spcPct val="0"/>
-              </a:spcBef>
-              <a:spcAft>
-                <a:spcPct val="0"/>
-              </a:spcAft>
-              <a:buClrTx/>
-              <a:buSzTx/>
-              <a:buFontTx/>
-              <a:buNone/>
-              <a:tabLst/>
-            </a:pPr>
-            <a:r>
-              <a:rPr kumimoji="0" lang="en-US" altLang="en-US" sz="1200" b="0" i="0" u="none" strike="noStrike" cap="none" normalizeH="0" baseline="0" dirty="0">
-                <a:ln>
-                  <a:noFill/>
-                </a:ln>
-                <a:solidFill>
-                  <a:srgbClr val="000000"/>
-                </a:solidFill>
-                <a:effectLst/>
-                <a:latin typeface="Times New Roman" panose="02020603050405020304" pitchFamily="18" charset="0"/>
-                <a:cs typeface="Times New Roman" panose="02020603050405020304" pitchFamily="18" charset="0"/>
-              </a:rPr>
-              <a:t>“LSTMs” – are a special kind of RNN, capable of learning long-term dependencies</a:t>
-            </a:r>
-          </a:p>
-          <a:p>
-            <a:pPr marL="0" marR="0" lvl="0" indent="0" algn="l" defTabSz="914400" rtl="0" eaLnBrk="0" fontAlgn="base" latinLnBrk="0" hangingPunct="0">
-              <a:lnSpc>
-                <a:spcPct val="100000"/>
-              </a:lnSpc>
-              <a:spcBef>
-                <a:spcPct val="0"/>
-              </a:spcBef>
-              <a:spcAft>
-                <a:spcPct val="0"/>
-              </a:spcAft>
-              <a:buClrTx/>
-              <a:buSzTx/>
-              <a:buFontTx/>
-              <a:buNone/>
-              <a:tabLst/>
-            </a:pPr>
-            <a:endParaRPr kumimoji="0" lang="en-US" altLang="en-US" sz="1200" b="0" i="0" u="none" strike="noStrike" cap="none" normalizeH="0" baseline="0" dirty="0">
-              <a:ln>
-                <a:noFill/>
-              </a:ln>
-              <a:solidFill>
-                <a:schemeClr val="tx1"/>
-              </a:solidFill>
-              <a:effectLst/>
-              <a:latin typeface="Times New Roman" panose="02020603050405020304" pitchFamily="18" charset="0"/>
-              <a:cs typeface="Times New Roman" panose="02020603050405020304" pitchFamily="18" charset="0"/>
-            </a:endParaRPr>
-          </a:p>
-          <a:p>
-            <a:pPr marL="0" marR="0" lvl="0" indent="0" algn="l" defTabSz="914400" rtl="0" eaLnBrk="0" fontAlgn="base" latinLnBrk="0" hangingPunct="0">
-              <a:lnSpc>
-                <a:spcPct val="100000"/>
-              </a:lnSpc>
-              <a:spcBef>
-                <a:spcPct val="0"/>
-              </a:spcBef>
-              <a:spcAft>
-                <a:spcPct val="0"/>
-              </a:spcAft>
-              <a:buClrTx/>
-              <a:buSzTx/>
-              <a:buFontTx/>
-              <a:buNone/>
-              <a:tabLst/>
-            </a:pPr>
-            <a:r>
-              <a:rPr kumimoji="0" lang="en-US" altLang="en-US" sz="1200" b="0" i="0" u="none" strike="noStrike" cap="none" normalizeH="0" baseline="0" dirty="0">
-                <a:ln>
-                  <a:noFill/>
-                </a:ln>
-                <a:solidFill>
-                  <a:srgbClr val="000000"/>
-                </a:solidFill>
-                <a:effectLst/>
-                <a:latin typeface="Times New Roman" panose="02020603050405020304" pitchFamily="18" charset="0"/>
-                <a:cs typeface="Times New Roman" panose="02020603050405020304" pitchFamily="18" charset="0"/>
-              </a:rPr>
-              <a:t>Remembering information for long periods of time is practically their default behavior, not something they struggle to learn!</a:t>
-            </a:r>
-          </a:p>
-          <a:p>
-            <a:pPr marL="0" marR="0" lvl="0" indent="0" algn="l" defTabSz="914400" rtl="0" eaLnBrk="0" fontAlgn="base" latinLnBrk="0" hangingPunct="0">
-              <a:lnSpc>
-                <a:spcPct val="100000"/>
-              </a:lnSpc>
-              <a:spcBef>
-                <a:spcPct val="0"/>
-              </a:spcBef>
-              <a:spcAft>
-                <a:spcPct val="0"/>
-              </a:spcAft>
-              <a:buClrTx/>
-              <a:buSzTx/>
-              <a:buFontTx/>
-              <a:buNone/>
-              <a:tabLst/>
-            </a:pPr>
-            <a:endParaRPr kumimoji="0" lang="en-US" altLang="en-US" sz="1200" b="0" i="0" u="none" strike="noStrike" cap="none" normalizeH="0" baseline="0" dirty="0">
-              <a:ln>
-                <a:noFill/>
-              </a:ln>
-              <a:solidFill>
-                <a:schemeClr val="tx1"/>
-              </a:solidFill>
-              <a:effectLst/>
-              <a:latin typeface="Times New Roman" panose="02020603050405020304" pitchFamily="18" charset="0"/>
-              <a:cs typeface="Times New Roman" panose="02020603050405020304" pitchFamily="18" charset="0"/>
-            </a:endParaRPr>
-          </a:p>
-          <a:p>
-            <a:pPr marL="0" marR="0" lvl="0" indent="0" algn="l" defTabSz="914400" rtl="0" eaLnBrk="0" fontAlgn="base" latinLnBrk="0" hangingPunct="0">
-              <a:lnSpc>
-                <a:spcPct val="100000"/>
-              </a:lnSpc>
-              <a:spcBef>
-                <a:spcPct val="0"/>
-              </a:spcBef>
-              <a:spcAft>
-                <a:spcPct val="0"/>
-              </a:spcAft>
-              <a:buClrTx/>
-              <a:buSzTx/>
-              <a:buFontTx/>
-              <a:buNone/>
-              <a:tabLst/>
-            </a:pPr>
-            <a:r>
-              <a:rPr kumimoji="0" lang="en-US" altLang="en-US" sz="1200" b="0" i="0" u="none" strike="noStrike" cap="none" normalizeH="0" baseline="0" dirty="0">
-                <a:ln>
-                  <a:noFill/>
-                </a:ln>
-                <a:solidFill>
-                  <a:srgbClr val="000000"/>
-                </a:solidFill>
-                <a:effectLst/>
-                <a:latin typeface="Times New Roman" panose="02020603050405020304" pitchFamily="18" charset="0"/>
-                <a:cs typeface="Times New Roman" panose="02020603050405020304" pitchFamily="18" charset="0"/>
-              </a:rPr>
-              <a:t>The key to LSTMs is the cell state, the horizontal line running through the top of the diagram.</a:t>
-            </a:r>
-          </a:p>
-          <a:p>
-            <a:pPr marL="0" marR="0" lvl="0" indent="0" algn="l" defTabSz="914400" rtl="0" eaLnBrk="0" fontAlgn="base" latinLnBrk="0" hangingPunct="0">
-              <a:lnSpc>
-                <a:spcPct val="100000"/>
-              </a:lnSpc>
-              <a:spcBef>
-                <a:spcPct val="0"/>
-              </a:spcBef>
-              <a:spcAft>
-                <a:spcPct val="0"/>
-              </a:spcAft>
-              <a:buClrTx/>
-              <a:buSzTx/>
-              <a:buFontTx/>
-              <a:buNone/>
-              <a:tabLst/>
-            </a:pPr>
-            <a:endParaRPr kumimoji="0" lang="en-US" altLang="en-US" sz="1200" b="0" i="0" u="none" strike="noStrike" cap="none" normalizeH="0" baseline="0" dirty="0">
-              <a:ln>
-                <a:noFill/>
-              </a:ln>
-              <a:solidFill>
-                <a:schemeClr val="tx1"/>
-              </a:solidFill>
-              <a:effectLst/>
-              <a:latin typeface="Times New Roman" panose="02020603050405020304" pitchFamily="18" charset="0"/>
-              <a:cs typeface="Times New Roman" panose="02020603050405020304" pitchFamily="18" charset="0"/>
-            </a:endParaRPr>
-          </a:p>
-          <a:p>
-            <a:pPr marL="0" marR="0" lvl="0" indent="0" algn="l" defTabSz="914400" rtl="0" eaLnBrk="0" fontAlgn="base" latinLnBrk="0" hangingPunct="0">
-              <a:lnSpc>
-                <a:spcPct val="100000"/>
-              </a:lnSpc>
-              <a:spcBef>
-                <a:spcPct val="0"/>
-              </a:spcBef>
-              <a:spcAft>
-                <a:spcPct val="0"/>
-              </a:spcAft>
-              <a:buClrTx/>
-              <a:buSzTx/>
-              <a:buFontTx/>
-              <a:buNone/>
-              <a:tabLst/>
-            </a:pPr>
-            <a:r>
-              <a:rPr kumimoji="0" lang="en-US" altLang="en-US" sz="1200" b="0" i="0" u="none" strike="noStrike" cap="none" normalizeH="0" baseline="0" dirty="0">
-                <a:ln>
-                  <a:noFill/>
-                </a:ln>
-                <a:solidFill>
-                  <a:srgbClr val="000000"/>
-                </a:solidFill>
-                <a:effectLst/>
-                <a:latin typeface="Times New Roman" panose="02020603050405020304" pitchFamily="18" charset="0"/>
-                <a:cs typeface="Times New Roman" panose="02020603050405020304" pitchFamily="18" charset="0"/>
-              </a:rPr>
-              <a:t>The LSTM does have the ability to remove or add information to the cell state, carefully regulated by structures called gates</a:t>
-            </a:r>
-            <a:endParaRPr lang="en-US" sz="1200" dirty="0">
-              <a:latin typeface="Times New Roman" panose="02020603050405020304" pitchFamily="18" charset="0"/>
-              <a:cs typeface="Times New Roman" panose="02020603050405020304" pitchFamily="18" charset="0"/>
-            </a:endParaRPr>
-          </a:p>
-        </p:txBody>
-      </p:sp>
-      <p:sp>
-        <p:nvSpPr>
-          <p:cNvPr id="22" name="TextBox 21">
-            <a:extLst>
-              <a:ext uri="{FF2B5EF4-FFF2-40B4-BE49-F238E27FC236}">
-                <a16:creationId xmlns:a16="http://schemas.microsoft.com/office/drawing/2014/main" id="{1823A62D-283E-4E0D-B9D8-5AA0BEC0ED3B}"/>
-              </a:ext>
-            </a:extLst>
-          </p:cNvPr>
-          <p:cNvSpPr txBox="1"/>
-          <p:nvPr/>
-        </p:nvSpPr>
-        <p:spPr>
-          <a:xfrm>
-            <a:off x="5529702" y="317665"/>
-            <a:ext cx="3223529" cy="307777"/>
-          </a:xfrm>
-          <a:prstGeom prst="rect">
-            <a:avLst/>
-          </a:prstGeom>
-          <a:noFill/>
-        </p:spPr>
-        <p:txBody>
-          <a:bodyPr wrap="square">
-            <a:spAutoFit/>
-          </a:bodyPr>
-          <a:lstStyle/>
-          <a:p>
-            <a:pPr marL="0" marR="0" lvl="0" indent="0" algn="l" defTabSz="914400" rtl="0" eaLnBrk="0" fontAlgn="base" latinLnBrk="0" hangingPunct="0">
-              <a:lnSpc>
-                <a:spcPct val="100000"/>
-              </a:lnSpc>
-              <a:spcBef>
-                <a:spcPct val="0"/>
-              </a:spcBef>
-              <a:spcAft>
-                <a:spcPct val="0"/>
-              </a:spcAft>
-              <a:buClrTx/>
-              <a:buSzTx/>
-              <a:buFontTx/>
-              <a:buNone/>
-              <a:tabLst/>
-            </a:pPr>
-            <a:r>
-              <a:rPr kumimoji="0" lang="en-US" altLang="en-US" sz="1400" b="1" i="0" u="none" strike="noStrike" cap="none" normalizeH="0" baseline="0" dirty="0">
-                <a:ln>
-                  <a:noFill/>
-                </a:ln>
-                <a:solidFill>
-                  <a:srgbClr val="000000"/>
-                </a:solidFill>
-                <a:effectLst/>
-                <a:latin typeface="Times New Roman" panose="02020603050405020304" pitchFamily="18" charset="0"/>
-                <a:cs typeface="Times New Roman" panose="02020603050405020304" pitchFamily="18" charset="0"/>
-              </a:rPr>
-              <a:t>Long Short-Term Memory (LSTM)</a:t>
-            </a:r>
           </a:p>
         </p:txBody>
       </p:sp>
@@ -10710,7 +12084,7 @@
                                           </p:stCondLst>
                                         </p:cTn>
                                         <p:tgtEl>
-                                          <p:spTgt spid="8"/>
+                                          <p:spTgt spid="102"/>
                                         </p:tgtEl>
                                         <p:attrNameLst>
                                           <p:attrName>style.visibility</p:attrName>
@@ -10751,6 +12125,180 @@
       </p:par>
     </p:tnLst>
   </p:timing>
+</p:sld>
+</file>
+
+<file path=ppt/slides/slide9.xml><?xml version="1.0" encoding="utf-8"?>
+<p:sld xmlns:a="http://schemas.openxmlformats.org/drawingml/2006/main" xmlns:r="http://schemas.openxmlformats.org/officeDocument/2006/relationships" xmlns:p="http://schemas.openxmlformats.org/presentationml/2006/main">
+  <p:cSld>
+    <p:spTree>
+      <p:nvGrpSpPr>
+        <p:cNvPr id="1" name="Shape 107"/>
+        <p:cNvGrpSpPr/>
+        <p:nvPr/>
+      </p:nvGrpSpPr>
+      <p:grpSpPr>
+        <a:xfrm>
+          <a:off x="0" y="0"/>
+          <a:ext cx="0" cy="0"/>
+          <a:chOff x="0" y="0"/>
+          <a:chExt cx="0" cy="0"/>
+        </a:xfrm>
+      </p:grpSpPr>
+      <p:sp>
+        <p:nvSpPr>
+          <p:cNvPr id="108" name="Google Shape;108;p20"/>
+          <p:cNvSpPr txBox="1">
+            <a:spLocks noGrp="1"/>
+          </p:cNvSpPr>
+          <p:nvPr>
+            <p:ph type="title"/>
+          </p:nvPr>
+        </p:nvSpPr>
+        <p:spPr>
+          <a:xfrm>
+            <a:off x="311700" y="98975"/>
+            <a:ext cx="8520600" cy="572700"/>
+          </a:xfrm>
+          <a:prstGeom prst="rect">
+            <a:avLst/>
+          </a:prstGeom>
+        </p:spPr>
+        <p:txBody>
+          <a:bodyPr spcFirstLastPara="1" wrap="square" lIns="91425" tIns="91425" rIns="91425" bIns="91425" anchor="t" anchorCtr="0">
+            <a:normAutofit fontScale="90000"/>
+          </a:bodyPr>
+          <a:lstStyle/>
+          <a:p>
+            <a:pPr marL="0" lvl="0" indent="0" algn="l" rtl="0">
+              <a:spcBef>
+                <a:spcPts val="0"/>
+              </a:spcBef>
+              <a:spcAft>
+                <a:spcPts val="0"/>
+              </a:spcAft>
+              <a:buNone/>
+            </a:pPr>
+            <a:r>
+              <a:rPr lang="en-GB"/>
+              <a:t>Random Forest</a:t>
+            </a:r>
+            <a:endParaRPr/>
+          </a:p>
+        </p:txBody>
+      </p:sp>
+      <p:pic>
+        <p:nvPicPr>
+          <p:cNvPr id="109" name="Google Shape;109;p20"/>
+          <p:cNvPicPr preferRelativeResize="0"/>
+          <p:nvPr/>
+        </p:nvPicPr>
+        <p:blipFill>
+          <a:blip r:embed="rId3">
+            <a:alphaModFix/>
+          </a:blip>
+          <a:stretch>
+            <a:fillRect/>
+          </a:stretch>
+        </p:blipFill>
+        <p:spPr>
+          <a:xfrm>
+            <a:off x="168126" y="1634150"/>
+            <a:ext cx="3846526" cy="2463350"/>
+          </a:xfrm>
+          <a:prstGeom prst="rect">
+            <a:avLst/>
+          </a:prstGeom>
+          <a:noFill/>
+          <a:ln>
+            <a:noFill/>
+          </a:ln>
+        </p:spPr>
+      </p:pic>
+      <p:sp>
+        <p:nvSpPr>
+          <p:cNvPr id="111" name="Google Shape;111;p20"/>
+          <p:cNvSpPr txBox="1"/>
+          <p:nvPr/>
+        </p:nvSpPr>
+        <p:spPr>
+          <a:xfrm>
+            <a:off x="1607825" y="1019150"/>
+            <a:ext cx="1745400" cy="384900"/>
+          </a:xfrm>
+          <a:prstGeom prst="rect">
+            <a:avLst/>
+          </a:prstGeom>
+          <a:noFill/>
+          <a:ln>
+            <a:noFill/>
+          </a:ln>
+        </p:spPr>
+        <p:txBody>
+          <a:bodyPr spcFirstLastPara="1" wrap="square" lIns="91425" tIns="91425" rIns="91425" bIns="91425" anchor="t" anchorCtr="0">
+            <a:spAutoFit/>
+          </a:bodyPr>
+          <a:lstStyle/>
+          <a:p>
+            <a:pPr marL="0" lvl="0" indent="0" algn="l" rtl="0">
+              <a:lnSpc>
+                <a:spcPct val="115000"/>
+              </a:lnSpc>
+              <a:spcBef>
+                <a:spcPts val="0"/>
+              </a:spcBef>
+              <a:spcAft>
+                <a:spcPts val="1200"/>
+              </a:spcAft>
+              <a:buNone/>
+            </a:pPr>
+            <a:r>
+              <a:rPr lang="en-GB" sz="1300" b="1">
+                <a:solidFill>
+                  <a:schemeClr val="dk2"/>
+                </a:solidFill>
+              </a:rPr>
+              <a:t>Feature Importance</a:t>
+            </a:r>
+            <a:endParaRPr sz="1300" b="1"/>
+          </a:p>
+        </p:txBody>
+      </p:sp>
+      <p:pic>
+        <p:nvPicPr>
+          <p:cNvPr id="6" name="Picture 5">
+            <a:extLst>
+              <a:ext uri="{FF2B5EF4-FFF2-40B4-BE49-F238E27FC236}">
+                <a16:creationId xmlns:a16="http://schemas.microsoft.com/office/drawing/2014/main" id="{6DB0CA98-CAC0-47B0-BEE0-DFE2DDE78AC0}"/>
+              </a:ext>
+            </a:extLst>
+          </p:cNvPr>
+          <p:cNvPicPr>
+            <a:picLocks noChangeAspect="1"/>
+          </p:cNvPicPr>
+          <p:nvPr/>
+        </p:nvPicPr>
+        <p:blipFill>
+          <a:blip r:embed="rId4"/>
+          <a:stretch>
+            <a:fillRect/>
+          </a:stretch>
+        </p:blipFill>
+        <p:spPr>
+          <a:xfrm>
+            <a:off x="3910149" y="0"/>
+            <a:ext cx="5233851" cy="5143500"/>
+          </a:xfrm>
+          <a:prstGeom prst="rect">
+            <a:avLst/>
+          </a:prstGeom>
+        </p:spPr>
+      </p:pic>
+    </p:spTree>
+  </p:cSld>
+  <p:clrMapOvr>
+    <a:masterClrMapping/>
+  </p:clrMapOvr>
 </p:sld>
 </file>
 
